--- a/research.pptx
+++ b/research.pptx
@@ -176,6 +176,254 @@
 </p:cmAuthorLst>
 </file>
 
+<file path=ppt/revisionInfo.xml><?xml version="1.0" encoding="utf-8"?>
+<p1510:revInfo xmlns:a="http://schemas.openxmlformats.org/drawingml/2006/main" xmlns:r="http://schemas.openxmlformats.org/officeDocument/2006/relationships" xmlns:p1510="http://schemas.microsoft.com/office/powerpoint/2015/10/main">
+  <p1510:revLst>
+    <p1510:client id="{6F24D55C-0286-2243-BD13-EC9C1F1ED43E}" v="82" dt="2024-06-19T01:36:23.949"/>
+  </p1510:revLst>
+</p1510:revInfo>
+</file>
+
+<file path=ppt/changesInfos/changesInfo1.xml><?xml version="1.0" encoding="utf-8"?>
+<pc:chgInfo xmlns:a="http://schemas.openxmlformats.org/drawingml/2006/main" xmlns:r="http://schemas.openxmlformats.org/officeDocument/2006/relationships" xmlns:ac="http://schemas.microsoft.com/office/drawing/2013/main/command" xmlns:pc="http://schemas.microsoft.com/office/powerpoint/2013/main/command">
+  <pc:docChgLst>
+    <pc:chgData name="Manish.Shrestha" userId="0dc007ee-afc0-4c5d-995c-d392b09643e1" providerId="ADAL" clId="{6F24D55C-0286-2243-BD13-EC9C1F1ED43E}"/>
+    <pc:docChg chg="undo custSel addSld delSld modSld sldOrd modSection">
+      <pc:chgData name="Manish.Shrestha" userId="0dc007ee-afc0-4c5d-995c-d392b09643e1" providerId="ADAL" clId="{6F24D55C-0286-2243-BD13-EC9C1F1ED43E}" dt="2024-06-23T01:11:38.734" v="93"/>
+      <pc:docMkLst>
+        <pc:docMk/>
+      </pc:docMkLst>
+      <pc:sldChg chg="modSp mod">
+        <pc:chgData name="Manish.Shrestha" userId="0dc007ee-afc0-4c5d-995c-d392b09643e1" providerId="ADAL" clId="{6F24D55C-0286-2243-BD13-EC9C1F1ED43E}" dt="2024-06-18T16:51:36.376" v="82" actId="20577"/>
+        <pc:sldMkLst>
+          <pc:docMk/>
+          <pc:sldMk cId="3662677160" sldId="286"/>
+        </pc:sldMkLst>
+        <pc:spChg chg="mod">
+          <ac:chgData name="Manish.Shrestha" userId="0dc007ee-afc0-4c5d-995c-d392b09643e1" providerId="ADAL" clId="{6F24D55C-0286-2243-BD13-EC9C1F1ED43E}" dt="2024-06-18T16:51:36.376" v="82" actId="20577"/>
+          <ac:spMkLst>
+            <pc:docMk/>
+            <pc:sldMk cId="3662677160" sldId="286"/>
+            <ac:spMk id="9" creationId="{01419C3B-781A-0690-8D03-AFD5D47F9023}"/>
+          </ac:spMkLst>
+        </pc:spChg>
+      </pc:sldChg>
+      <pc:sldChg chg="modTransition">
+        <pc:chgData name="Manish.Shrestha" userId="0dc007ee-afc0-4c5d-995c-d392b09643e1" providerId="ADAL" clId="{6F24D55C-0286-2243-BD13-EC9C1F1ED43E}" dt="2024-06-23T01:11:38.734" v="93"/>
+        <pc:sldMkLst>
+          <pc:docMk/>
+          <pc:sldMk cId="1609673525" sldId="296"/>
+        </pc:sldMkLst>
+      </pc:sldChg>
+      <pc:sldChg chg="modAnim">
+        <pc:chgData name="Manish.Shrestha" userId="0dc007ee-afc0-4c5d-995c-d392b09643e1" providerId="ADAL" clId="{6F24D55C-0286-2243-BD13-EC9C1F1ED43E}" dt="2024-06-18T14:20:15.828" v="47"/>
+        <pc:sldMkLst>
+          <pc:docMk/>
+          <pc:sldMk cId="4117153350" sldId="297"/>
+        </pc:sldMkLst>
+      </pc:sldChg>
+      <pc:sldChg chg="modSp mod">
+        <pc:chgData name="Manish.Shrestha" userId="0dc007ee-afc0-4c5d-995c-d392b09643e1" providerId="ADAL" clId="{6F24D55C-0286-2243-BD13-EC9C1F1ED43E}" dt="2024-06-19T01:36:21.992" v="89" actId="20578"/>
+        <pc:sldMkLst>
+          <pc:docMk/>
+          <pc:sldMk cId="1866383701" sldId="300"/>
+        </pc:sldMkLst>
+        <pc:spChg chg="mod">
+          <ac:chgData name="Manish.Shrestha" userId="0dc007ee-afc0-4c5d-995c-d392b09643e1" providerId="ADAL" clId="{6F24D55C-0286-2243-BD13-EC9C1F1ED43E}" dt="2024-06-18T13:14:03.094" v="3" actId="1076"/>
+          <ac:spMkLst>
+            <pc:docMk/>
+            <pc:sldMk cId="1866383701" sldId="300"/>
+            <ac:spMk id="2" creationId="{41C5C79D-9C6D-8311-3DA6-E844F4274C4A}"/>
+          </ac:spMkLst>
+        </pc:spChg>
+        <pc:spChg chg="mod">
+          <ac:chgData name="Manish.Shrestha" userId="0dc007ee-afc0-4c5d-995c-d392b09643e1" providerId="ADAL" clId="{6F24D55C-0286-2243-BD13-EC9C1F1ED43E}" dt="2024-06-19T01:36:21.992" v="89" actId="20578"/>
+          <ac:spMkLst>
+            <pc:docMk/>
+            <pc:sldMk cId="1866383701" sldId="300"/>
+            <ac:spMk id="5" creationId="{F75E05B7-8009-C23E-8190-6EE034AFE6DD}"/>
+          </ac:spMkLst>
+        </pc:spChg>
+      </pc:sldChg>
+      <pc:sldChg chg="addSp delSp modSp mod">
+        <pc:chgData name="Manish.Shrestha" userId="0dc007ee-afc0-4c5d-995c-d392b09643e1" providerId="ADAL" clId="{6F24D55C-0286-2243-BD13-EC9C1F1ED43E}" dt="2024-06-18T16:56:29.543" v="84" actId="478"/>
+        <pc:sldMkLst>
+          <pc:docMk/>
+          <pc:sldMk cId="1871975000" sldId="306"/>
+        </pc:sldMkLst>
+        <pc:spChg chg="add del mod">
+          <ac:chgData name="Manish.Shrestha" userId="0dc007ee-afc0-4c5d-995c-d392b09643e1" providerId="ADAL" clId="{6F24D55C-0286-2243-BD13-EC9C1F1ED43E}" dt="2024-06-18T16:56:29.543" v="84" actId="478"/>
+          <ac:spMkLst>
+            <pc:docMk/>
+            <pc:sldMk cId="1871975000" sldId="306"/>
+            <ac:spMk id="2" creationId="{9F0F4124-0B0C-B612-3280-59D184812926}"/>
+          </ac:spMkLst>
+        </pc:spChg>
+      </pc:sldChg>
+      <pc:sldChg chg="modAnim">
+        <pc:chgData name="Manish.Shrestha" userId="0dc007ee-afc0-4c5d-995c-d392b09643e1" providerId="ADAL" clId="{6F24D55C-0286-2243-BD13-EC9C1F1ED43E}" dt="2024-06-18T14:20:05.118" v="46"/>
+        <pc:sldMkLst>
+          <pc:docMk/>
+          <pc:sldMk cId="3230335969" sldId="307"/>
+        </pc:sldMkLst>
+      </pc:sldChg>
+      <pc:sldChg chg="modSp add del mod">
+        <pc:chgData name="Manish.Shrestha" userId="0dc007ee-afc0-4c5d-995c-d392b09643e1" providerId="ADAL" clId="{6F24D55C-0286-2243-BD13-EC9C1F1ED43E}" dt="2024-06-18T16:50:54.319" v="80" actId="20577"/>
+        <pc:sldMkLst>
+          <pc:docMk/>
+          <pc:sldMk cId="2600892836" sldId="308"/>
+        </pc:sldMkLst>
+        <pc:spChg chg="mod">
+          <ac:chgData name="Manish.Shrestha" userId="0dc007ee-afc0-4c5d-995c-d392b09643e1" providerId="ADAL" clId="{6F24D55C-0286-2243-BD13-EC9C1F1ED43E}" dt="2024-06-18T16:50:54.319" v="80" actId="20577"/>
+          <ac:spMkLst>
+            <pc:docMk/>
+            <pc:sldMk cId="2600892836" sldId="308"/>
+            <ac:spMk id="3" creationId="{9B1CEC0C-2997-6451-9FE3-142A293F8CC8}"/>
+          </ac:spMkLst>
+        </pc:spChg>
+      </pc:sldChg>
+      <pc:sldChg chg="modSp mod">
+        <pc:chgData name="Manish.Shrestha" userId="0dc007ee-afc0-4c5d-995c-d392b09643e1" providerId="ADAL" clId="{6F24D55C-0286-2243-BD13-EC9C1F1ED43E}" dt="2024-06-19T01:36:02.661" v="88" actId="20577"/>
+        <pc:sldMkLst>
+          <pc:docMk/>
+          <pc:sldMk cId="1692240922" sldId="310"/>
+        </pc:sldMkLst>
+        <pc:spChg chg="mod">
+          <ac:chgData name="Manish.Shrestha" userId="0dc007ee-afc0-4c5d-995c-d392b09643e1" providerId="ADAL" clId="{6F24D55C-0286-2243-BD13-EC9C1F1ED43E}" dt="2024-06-19T01:36:02.661" v="88" actId="20577"/>
+          <ac:spMkLst>
+            <pc:docMk/>
+            <pc:sldMk cId="1692240922" sldId="310"/>
+            <ac:spMk id="5" creationId="{F75E05B7-8009-C23E-8190-6EE034AFE6DD}"/>
+          </ac:spMkLst>
+        </pc:spChg>
+      </pc:sldChg>
+      <pc:sldChg chg="addSp delSp modSp mod modClrScheme chgLayout">
+        <pc:chgData name="Manish.Shrestha" userId="0dc007ee-afc0-4c5d-995c-d392b09643e1" providerId="ADAL" clId="{6F24D55C-0286-2243-BD13-EC9C1F1ED43E}" dt="2024-06-18T14:19:04.048" v="39" actId="2711"/>
+        <pc:sldMkLst>
+          <pc:docMk/>
+          <pc:sldMk cId="3647142839" sldId="311"/>
+        </pc:sldMkLst>
+        <pc:spChg chg="add del mod">
+          <ac:chgData name="Manish.Shrestha" userId="0dc007ee-afc0-4c5d-995c-d392b09643e1" providerId="ADAL" clId="{6F24D55C-0286-2243-BD13-EC9C1F1ED43E}" dt="2024-06-18T14:18:49.517" v="37" actId="478"/>
+          <ac:spMkLst>
+            <pc:docMk/>
+            <pc:sldMk cId="3647142839" sldId="311"/>
+            <ac:spMk id="3" creationId="{550BBF7D-0E1B-913A-890E-63E0EAE02F3F}"/>
+          </ac:spMkLst>
+        </pc:spChg>
+        <pc:spChg chg="mod">
+          <ac:chgData name="Manish.Shrestha" userId="0dc007ee-afc0-4c5d-995c-d392b09643e1" providerId="ADAL" clId="{6F24D55C-0286-2243-BD13-EC9C1F1ED43E}" dt="2024-06-18T14:19:04.048" v="39" actId="2711"/>
+          <ac:spMkLst>
+            <pc:docMk/>
+            <pc:sldMk cId="3647142839" sldId="311"/>
+            <ac:spMk id="6" creationId="{D5106EA2-4964-F05B-97A0-A5309DD80557}"/>
+          </ac:spMkLst>
+        </pc:spChg>
+        <pc:spChg chg="add del mod">
+          <ac:chgData name="Manish.Shrestha" userId="0dc007ee-afc0-4c5d-995c-d392b09643e1" providerId="ADAL" clId="{6F24D55C-0286-2243-BD13-EC9C1F1ED43E}" dt="2024-06-18T14:18:49.517" v="37" actId="478"/>
+          <ac:spMkLst>
+            <pc:docMk/>
+            <pc:sldMk cId="3647142839" sldId="311"/>
+            <ac:spMk id="7" creationId="{4F1C2A6A-1B6D-92D8-3B5A-2815FEDF562F}"/>
+          </ac:spMkLst>
+        </pc:spChg>
+        <pc:spChg chg="add del mod">
+          <ac:chgData name="Manish.Shrestha" userId="0dc007ee-afc0-4c5d-995c-d392b09643e1" providerId="ADAL" clId="{6F24D55C-0286-2243-BD13-EC9C1F1ED43E}" dt="2024-06-18T14:18:25.096" v="16" actId="26606"/>
+          <ac:spMkLst>
+            <pc:docMk/>
+            <pc:sldMk cId="3647142839" sldId="311"/>
+            <ac:spMk id="11" creationId="{DCF99046-8002-70D4-5921-D9121DCFCAAA}"/>
+          </ac:spMkLst>
+        </pc:spChg>
+        <pc:spChg chg="add del mod">
+          <ac:chgData name="Manish.Shrestha" userId="0dc007ee-afc0-4c5d-995c-d392b09643e1" providerId="ADAL" clId="{6F24D55C-0286-2243-BD13-EC9C1F1ED43E}" dt="2024-06-18T14:18:47.668" v="35" actId="26606"/>
+          <ac:spMkLst>
+            <pc:docMk/>
+            <pc:sldMk cId="3647142839" sldId="311"/>
+            <ac:spMk id="13" creationId="{4CC9CE65-253E-EAD7-2BB3-1FB672428B13}"/>
+          </ac:spMkLst>
+        </pc:spChg>
+      </pc:sldChg>
+      <pc:sldChg chg="modSp mod">
+        <pc:chgData name="Manish.Shrestha" userId="0dc007ee-afc0-4c5d-995c-d392b09643e1" providerId="ADAL" clId="{6F24D55C-0286-2243-BD13-EC9C1F1ED43E}" dt="2024-06-18T14:23:46.232" v="59" actId="2711"/>
+        <pc:sldMkLst>
+          <pc:docMk/>
+          <pc:sldMk cId="4044844638" sldId="312"/>
+        </pc:sldMkLst>
+        <pc:spChg chg="mod">
+          <ac:chgData name="Manish.Shrestha" userId="0dc007ee-afc0-4c5d-995c-d392b09643e1" providerId="ADAL" clId="{6F24D55C-0286-2243-BD13-EC9C1F1ED43E}" dt="2024-06-18T14:22:41.294" v="55" actId="255"/>
+          <ac:spMkLst>
+            <pc:docMk/>
+            <pc:sldMk cId="4044844638" sldId="312"/>
+            <ac:spMk id="5" creationId="{C60A2952-105A-2075-5104-D3449B4E4D82}"/>
+          </ac:spMkLst>
+        </pc:spChg>
+        <pc:spChg chg="mod">
+          <ac:chgData name="Manish.Shrestha" userId="0dc007ee-afc0-4c5d-995c-d392b09643e1" providerId="ADAL" clId="{6F24D55C-0286-2243-BD13-EC9C1F1ED43E}" dt="2024-06-18T14:23:46.232" v="59" actId="2711"/>
+          <ac:spMkLst>
+            <pc:docMk/>
+            <pc:sldMk cId="4044844638" sldId="312"/>
+            <ac:spMk id="6" creationId="{B61EC06E-59EF-A0B3-3B77-D00D5DC21911}"/>
+          </ac:spMkLst>
+        </pc:spChg>
+      </pc:sldChg>
+      <pc:sldChg chg="modSp mod">
+        <pc:chgData name="Manish.Shrestha" userId="0dc007ee-afc0-4c5d-995c-d392b09643e1" providerId="ADAL" clId="{6F24D55C-0286-2243-BD13-EC9C1F1ED43E}" dt="2024-06-18T14:22:55.498" v="58" actId="255"/>
+        <pc:sldMkLst>
+          <pc:docMk/>
+          <pc:sldMk cId="3916006666" sldId="313"/>
+        </pc:sldMkLst>
+        <pc:spChg chg="mod">
+          <ac:chgData name="Manish.Shrestha" userId="0dc007ee-afc0-4c5d-995c-d392b09643e1" providerId="ADAL" clId="{6F24D55C-0286-2243-BD13-EC9C1F1ED43E}" dt="2024-06-18T14:22:55.498" v="58" actId="255"/>
+          <ac:spMkLst>
+            <pc:docMk/>
+            <pc:sldMk cId="3916006666" sldId="313"/>
+            <ac:spMk id="5" creationId="{1A595FCC-4E15-5840-65FB-4A4D7E80C469}"/>
+          </ac:spMkLst>
+        </pc:spChg>
+      </pc:sldChg>
+      <pc:sldChg chg="addSp delSp modSp new del mod">
+        <pc:chgData name="Manish.Shrestha" userId="0dc007ee-afc0-4c5d-995c-d392b09643e1" providerId="ADAL" clId="{6F24D55C-0286-2243-BD13-EC9C1F1ED43E}" dt="2024-06-18T16:49:36.810" v="64" actId="2696"/>
+        <pc:sldMkLst>
+          <pc:docMk/>
+          <pc:sldMk cId="69739451" sldId="314"/>
+        </pc:sldMkLst>
+        <pc:picChg chg="add del mod">
+          <ac:chgData name="Manish.Shrestha" userId="0dc007ee-afc0-4c5d-995c-d392b09643e1" providerId="ADAL" clId="{6F24D55C-0286-2243-BD13-EC9C1F1ED43E}" dt="2024-06-18T16:49:21.194" v="63" actId="478"/>
+          <ac:picMkLst>
+            <pc:docMk/>
+            <pc:sldMk cId="69739451" sldId="314"/>
+            <ac:picMk id="4" creationId="{B2372F38-65F5-482B-B3E1-021DBB79D8DF}"/>
+          </ac:picMkLst>
+        </pc:picChg>
+      </pc:sldChg>
+      <pc:sldChg chg="add del">
+        <pc:chgData name="Manish.Shrestha" userId="0dc007ee-afc0-4c5d-995c-d392b09643e1" providerId="ADAL" clId="{6F24D55C-0286-2243-BD13-EC9C1F1ED43E}" dt="2024-06-18T14:20:51.444" v="49" actId="2696"/>
+        <pc:sldMkLst>
+          <pc:docMk/>
+          <pc:sldMk cId="1233442278" sldId="314"/>
+        </pc:sldMkLst>
+      </pc:sldChg>
+      <pc:sldChg chg="modSp add del mod ord">
+        <pc:chgData name="Manish.Shrestha" userId="0dc007ee-afc0-4c5d-995c-d392b09643e1" providerId="ADAL" clId="{6F24D55C-0286-2243-BD13-EC9C1F1ED43E}" dt="2024-06-18T16:50:39.665" v="77" actId="2696"/>
+        <pc:sldMkLst>
+          <pc:docMk/>
+          <pc:sldMk cId="1687864790" sldId="314"/>
+        </pc:sldMkLst>
+        <pc:spChg chg="mod">
+          <ac:chgData name="Manish.Shrestha" userId="0dc007ee-afc0-4c5d-995c-d392b09643e1" providerId="ADAL" clId="{6F24D55C-0286-2243-BD13-EC9C1F1ED43E}" dt="2024-06-18T16:49:53.616" v="75" actId="20577"/>
+          <ac:spMkLst>
+            <pc:docMk/>
+            <pc:sldMk cId="1687864790" sldId="314"/>
+            <ac:spMk id="2" creationId="{41C5C79D-9C6D-8311-3DA6-E844F4274C4A}"/>
+          </ac:spMkLst>
+        </pc:spChg>
+      </pc:sldChg>
+    </pc:docChg>
+  </pc:docChgLst>
+</pc:chgInfo>
+</file>
+
 <file path=ppt/handoutMasters/handoutMaster1.xml><?xml version="1.0" encoding="utf-8"?>
 <p:handoutMaster xmlns:a="http://schemas.openxmlformats.org/drawingml/2006/main" xmlns:r="http://schemas.openxmlformats.org/officeDocument/2006/relationships" xmlns:p="http://schemas.openxmlformats.org/presentationml/2006/main">
   <p:cSld>
@@ -270,7 +518,7 @@
           <a:p>
             <a:fld id="{9D8190EA-5EEC-4300-B6AE-D9734C6C648E}" type="datetimeFigureOut">
               <a:rPr lang="en-US" smtClean="0"/>
-              <a:t>6/18/24</a:t>
+              <a:t>6/23/24</a:t>
             </a:fld>
             <a:endParaRPr lang="en-US"/>
           </a:p>
@@ -447,7 +695,7 @@
           <a:p>
             <a:fld id="{7487ADD9-2083-264C-A652-8D52D02F7E72}" type="datetimeFigureOut">
               <a:rPr lang="en-US" smtClean="0"/>
-              <a:t>6/18/24</a:t>
+              <a:t>6/23/24</a:t>
             </a:fld>
             <a:endParaRPr lang="en-US"/>
           </a:p>
@@ -10436,7 +10684,7 @@
           <a:p>
             <a:pPr algn="ctr"/>
             <a:r>
-              <a:rPr kumimoji="0" lang="en-US" altLang="en-NP" sz="3600" b="1" i="0" u="none" strike="noStrike" cap="none" normalizeH="0" baseline="0" dirty="0">
+              <a:rPr kumimoji="0" lang="en-US" altLang="en-NP" sz="3600" b="1" i="0" u="none" strike="noStrike" cap="none" normalizeH="0" baseline="0">
                 <a:ln>
                   <a:noFill/>
                 </a:ln>
@@ -10454,7 +10702,7 @@
           <a:p>
             <a:pPr algn="ctr"/>
             <a:r>
-              <a:rPr kumimoji="0" lang="en-US" altLang="en-NP" sz="3600" b="1" i="0" u="none" strike="noStrike" cap="none" normalizeH="0" baseline="0" dirty="0">
+              <a:rPr kumimoji="0" lang="en-US" altLang="en-NP" sz="3600" b="1" i="0" u="none" strike="noStrike" cap="none" normalizeH="0" baseline="0">
                 <a:ln>
                   <a:noFill/>
                 </a:ln>
@@ -10472,7 +10720,7 @@
           <a:p>
             <a:pPr algn="ctr"/>
             <a:r>
-              <a:rPr kumimoji="0" lang="en-US" altLang="en-NP" sz="2800" b="1" i="0" u="none" strike="noStrike" cap="none" normalizeH="0" baseline="0" dirty="0">
+              <a:rPr kumimoji="0" lang="en-US" altLang="en-NP" sz="2800" b="1" i="0" u="none" strike="noStrike" cap="none" normalizeH="0" baseline="0">
                 <a:ln>
                   <a:noFill/>
                 </a:ln>
@@ -10492,7 +10740,7 @@
           <a:p>
             <a:pPr algn="ctr"/>
             <a:r>
-              <a:rPr kumimoji="0" lang="en-US" altLang="en-NP" sz="2800" b="1" i="0" u="none" strike="noStrike" cap="none" normalizeH="0" baseline="0" dirty="0">
+              <a:rPr kumimoji="0" lang="en-US" altLang="en-NP" sz="2800" b="1" i="0" u="none" strike="noStrike" cap="none" normalizeH="0" baseline="0">
                 <a:ln>
                   <a:noFill/>
                 </a:ln>
@@ -10512,7 +10760,7 @@
           <a:p>
             <a:pPr algn="ctr"/>
             <a:r>
-              <a:rPr kumimoji="0" lang="en-US" altLang="en-NP" sz="2800" b="1" i="0" u="none" strike="noStrike" cap="none" normalizeH="0" baseline="0" dirty="0">
+              <a:rPr kumimoji="0" lang="en-US" altLang="en-NP" sz="2800" b="1" i="0" u="none" strike="noStrike" cap="none" normalizeH="0" baseline="0">
                 <a:ln>
                   <a:noFill/>
                 </a:ln>
@@ -10532,7 +10780,7 @@
           <a:p>
             <a:pPr algn="ctr"/>
             <a:r>
-              <a:rPr kumimoji="0" lang="en-US" altLang="en-NP" sz="2800" b="1" i="0" u="none" strike="noStrike" cap="none" normalizeH="0" baseline="0" dirty="0" err="1">
+              <a:rPr kumimoji="0" lang="en-US" altLang="en-NP" sz="2800" b="1" i="0" u="none" strike="noStrike" cap="none" normalizeH="0" baseline="0" err="1">
                 <a:ln>
                   <a:noFill/>
                 </a:ln>
@@ -10549,7 +10797,7 @@
               <a:t>Rijan</a:t>
             </a:r>
             <a:r>
-              <a:rPr kumimoji="0" lang="en-US" altLang="en-NP" sz="2800" b="1" i="0" u="none" strike="noStrike" cap="none" normalizeH="0" baseline="0" dirty="0">
+              <a:rPr kumimoji="0" lang="en-US" altLang="en-NP" sz="2800" b="1" i="0" u="none" strike="noStrike" cap="none" normalizeH="0" baseline="0">
                 <a:ln>
                   <a:noFill/>
                 </a:ln>
@@ -10569,7 +10817,7 @@
           <a:p>
             <a:pPr algn="ctr"/>
             <a:r>
-              <a:rPr kumimoji="0" lang="en-US" altLang="en-NP" sz="2800" b="1" i="0" u="none" strike="noStrike" cap="none" normalizeH="0" baseline="0" dirty="0">
+              <a:rPr kumimoji="0" lang="en-US" altLang="en-NP" sz="2800" b="1" i="0" u="none" strike="noStrike" cap="none" normalizeH="0" baseline="0">
                 <a:ln>
                   <a:noFill/>
                 </a:ln>
@@ -10589,7 +10837,7 @@
           <a:p>
             <a:pPr algn="ctr"/>
             <a:r>
-              <a:rPr kumimoji="0" lang="en-US" altLang="en-NP" sz="2800" b="1" i="0" u="none" strike="noStrike" cap="none" normalizeH="0" baseline="0" dirty="0">
+              <a:rPr kumimoji="0" lang="en-US" altLang="en-NP" sz="2800" b="1" i="0" u="none" strike="noStrike" cap="none" normalizeH="0" baseline="0">
                 <a:ln>
                   <a:noFill/>
                 </a:ln>
@@ -10609,7 +10857,7 @@
           <a:p>
             <a:pPr algn="ctr"/>
             <a:r>
-              <a:rPr lang="en-US" altLang="en-NP" b="1" dirty="0">
+              <a:rPr lang="en-US" altLang="en-NP" b="1">
                 <a:solidFill>
                   <a:schemeClr val="accent1">
                     <a:lumMod val="75000"/>
@@ -10621,7 +10869,7 @@
               </a:rPr>
               <a:t>June, 2024</a:t>
             </a:r>
-            <a:endParaRPr kumimoji="0" lang="en-US" altLang="en-NP" sz="2800" b="1" i="0" u="none" strike="noStrike" cap="none" normalizeH="0" baseline="0" dirty="0">
+            <a:endParaRPr kumimoji="0" lang="en-US" altLang="en-NP" sz="2800" b="1" i="0" u="none" strike="noStrike" cap="none" normalizeH="0" baseline="0">
               <a:ln>
                 <a:noFill/>
               </a:ln>
@@ -10638,7 +10886,7 @@
           </a:p>
           <a:p>
             <a:pPr algn="ctr"/>
-            <a:endParaRPr kumimoji="0" lang="en-US" altLang="en-NP" sz="2800" b="1" i="0" u="none" strike="noStrike" cap="none" normalizeH="0" baseline="0" dirty="0">
+            <a:endParaRPr kumimoji="0" lang="en-US" altLang="en-NP" sz="2800" b="1" i="0" u="none" strike="noStrike" cap="none" normalizeH="0" baseline="0">
               <a:ln>
                 <a:noFill/>
               </a:ln>
@@ -10653,7 +10901,7 @@
           </a:p>
           <a:p>
             <a:pPr algn="ctr"/>
-            <a:endParaRPr lang="en-US" b="1" dirty="0">
+            <a:endParaRPr lang="en-US" b="1">
               <a:solidFill>
                 <a:srgbClr val="0068FF"/>
               </a:solidFill>
@@ -10764,7 +11012,7 @@
           <a:lstStyle/>
           <a:p>
             <a:r>
-              <a:rPr lang="en-US" dirty="0"/>
+              <a:rPr lang="en-US"/>
               <a:t>Research Questions</a:t>
             </a:r>
           </a:p>
@@ -10785,7 +11033,7 @@
         <p:spPr>
           <a:xfrm>
             <a:off x="732106" y="1623060"/>
-            <a:ext cx="10316308" cy="2832699"/>
+            <a:ext cx="10316308" cy="2771143"/>
           </a:xfrm>
           <a:prstGeom prst="rect">
             <a:avLst/>
@@ -10812,7 +11060,7 @@
               <a:buChar char="•"/>
             </a:pPr>
             <a:r>
-              <a:rPr lang="en-US" sz="2400" kern="100" dirty="0">
+              <a:rPr lang="en-US" sz="2400" kern="100">
                 <a:solidFill>
                   <a:schemeClr val="bg1"/>
                 </a:solidFill>
@@ -10839,7 +11087,7 @@
               <a:buChar char="•"/>
             </a:pPr>
             <a:r>
-              <a:rPr lang="en-US" sz="2400" kern="100" dirty="0">
+              <a:rPr lang="en-US" sz="2400" kern="100">
                 <a:solidFill>
                   <a:schemeClr val="bg1"/>
                 </a:solidFill>
@@ -10866,7 +11114,7 @@
               <a:buChar char="•"/>
             </a:pPr>
             <a:r>
-              <a:rPr lang="en-US" sz="2400" kern="100" dirty="0">
+              <a:rPr lang="en-US" sz="2400" kern="100">
                 <a:solidFill>
                   <a:schemeClr val="bg1"/>
                 </a:solidFill>
@@ -10879,7 +11127,7 @@
             </a:r>
           </a:p>
           <a:p>
-            <a:endParaRPr lang="en-US" sz="2000" dirty="0">
+            <a:endParaRPr lang="en-US" sz="2000">
               <a:solidFill>
                 <a:schemeClr val="bg1"/>
               </a:solidFill>
@@ -10960,6 +11208,202 @@
   <p:clrMapOvr>
     <a:masterClrMapping/>
   </p:clrMapOvr>
+  <p:timing>
+    <p:tnLst>
+      <p:par>
+        <p:cTn id="1" dur="indefinite" restart="never" nodeType="tmRoot">
+          <p:childTnLst>
+            <p:seq concurrent="1" nextAc="seek">
+              <p:cTn id="2" dur="indefinite" nodeType="mainSeq">
+                <p:childTnLst>
+                  <p:par>
+                    <p:cTn id="3" fill="hold">
+                      <p:stCondLst>
+                        <p:cond delay="indefinite"/>
+                      </p:stCondLst>
+                      <p:childTnLst>
+                        <p:par>
+                          <p:cTn id="4" fill="hold">
+                            <p:stCondLst>
+                              <p:cond delay="0"/>
+                            </p:stCondLst>
+                            <p:childTnLst>
+                              <p:par>
+                                <p:cTn id="5" presetID="41" presetClass="entr" presetSubtype="0" fill="hold" grpId="0" nodeType="clickEffect">
+                                  <p:stCondLst>
+                                    <p:cond delay="0"/>
+                                  </p:stCondLst>
+                                  <p:iterate type="lt">
+                                    <p:tmPct val="10000"/>
+                                  </p:iterate>
+                                  <p:childTnLst>
+                                    <p:set>
+                                      <p:cBhvr>
+                                        <p:cTn id="6" dur="1" fill="hold">
+                                          <p:stCondLst>
+                                            <p:cond delay="0"/>
+                                          </p:stCondLst>
+                                        </p:cTn>
+                                        <p:tgtEl>
+                                          <p:spTgt spid="2"/>
+                                        </p:tgtEl>
+                                        <p:attrNameLst>
+                                          <p:attrName>style.visibility</p:attrName>
+                                        </p:attrNameLst>
+                                      </p:cBhvr>
+                                      <p:to>
+                                        <p:strVal val="visible"/>
+                                      </p:to>
+                                    </p:set>
+                                    <p:anim calcmode="lin" valueType="num">
+                                      <p:cBhvr>
+                                        <p:cTn id="7" dur="500" fill="hold"/>
+                                        <p:tgtEl>
+                                          <p:spTgt spid="2"/>
+                                        </p:tgtEl>
+                                        <p:attrNameLst>
+                                          <p:attrName>ppt_x</p:attrName>
+                                        </p:attrNameLst>
+                                      </p:cBhvr>
+                                      <p:tavLst>
+                                        <p:tav tm="0">
+                                          <p:val>
+                                            <p:strVal val="#ppt_x"/>
+                                          </p:val>
+                                        </p:tav>
+                                        <p:tav tm="50000">
+                                          <p:val>
+                                            <p:strVal val="#ppt_x+.1"/>
+                                          </p:val>
+                                        </p:tav>
+                                        <p:tav tm="100000">
+                                          <p:val>
+                                            <p:strVal val="#ppt_x"/>
+                                          </p:val>
+                                        </p:tav>
+                                      </p:tavLst>
+                                    </p:anim>
+                                    <p:anim calcmode="lin" valueType="num">
+                                      <p:cBhvr>
+                                        <p:cTn id="8" dur="500" fill="hold"/>
+                                        <p:tgtEl>
+                                          <p:spTgt spid="2"/>
+                                        </p:tgtEl>
+                                        <p:attrNameLst>
+                                          <p:attrName>ppt_y</p:attrName>
+                                        </p:attrNameLst>
+                                      </p:cBhvr>
+                                      <p:tavLst>
+                                        <p:tav tm="0">
+                                          <p:val>
+                                            <p:strVal val="#ppt_y"/>
+                                          </p:val>
+                                        </p:tav>
+                                        <p:tav tm="100000">
+                                          <p:val>
+                                            <p:strVal val="#ppt_y"/>
+                                          </p:val>
+                                        </p:tav>
+                                      </p:tavLst>
+                                    </p:anim>
+                                    <p:anim calcmode="lin" valueType="num">
+                                      <p:cBhvr>
+                                        <p:cTn id="9" dur="500" fill="hold"/>
+                                        <p:tgtEl>
+                                          <p:spTgt spid="2"/>
+                                        </p:tgtEl>
+                                        <p:attrNameLst>
+                                          <p:attrName>ppt_h</p:attrName>
+                                        </p:attrNameLst>
+                                      </p:cBhvr>
+                                      <p:tavLst>
+                                        <p:tav tm="0">
+                                          <p:val>
+                                            <p:strVal val="#ppt_h/10"/>
+                                          </p:val>
+                                        </p:tav>
+                                        <p:tav tm="50000">
+                                          <p:val>
+                                            <p:strVal val="#ppt_h+.01"/>
+                                          </p:val>
+                                        </p:tav>
+                                        <p:tav tm="100000">
+                                          <p:val>
+                                            <p:strVal val="#ppt_h"/>
+                                          </p:val>
+                                        </p:tav>
+                                      </p:tavLst>
+                                    </p:anim>
+                                    <p:anim calcmode="lin" valueType="num">
+                                      <p:cBhvr>
+                                        <p:cTn id="10" dur="500" fill="hold"/>
+                                        <p:tgtEl>
+                                          <p:spTgt spid="2"/>
+                                        </p:tgtEl>
+                                        <p:attrNameLst>
+                                          <p:attrName>ppt_w</p:attrName>
+                                        </p:attrNameLst>
+                                      </p:cBhvr>
+                                      <p:tavLst>
+                                        <p:tav tm="0">
+                                          <p:val>
+                                            <p:strVal val="#ppt_w/10"/>
+                                          </p:val>
+                                        </p:tav>
+                                        <p:tav tm="50000">
+                                          <p:val>
+                                            <p:strVal val="#ppt_w+.01"/>
+                                          </p:val>
+                                        </p:tav>
+                                        <p:tav tm="100000">
+                                          <p:val>
+                                            <p:strVal val="#ppt_w"/>
+                                          </p:val>
+                                        </p:tav>
+                                      </p:tavLst>
+                                    </p:anim>
+                                    <p:animEffect transition="in" filter="fade">
+                                      <p:cBhvr>
+                                        <p:cTn id="11" dur="500" tmFilter="0,0; .5, 1; 1, 1"/>
+                                        <p:tgtEl>
+                                          <p:spTgt spid="2"/>
+                                        </p:tgtEl>
+                                      </p:cBhvr>
+                                    </p:animEffect>
+                                  </p:childTnLst>
+                                </p:cTn>
+                              </p:par>
+                            </p:childTnLst>
+                          </p:cTn>
+                        </p:par>
+                      </p:childTnLst>
+                    </p:cTn>
+                  </p:par>
+                </p:childTnLst>
+              </p:cTn>
+              <p:prevCondLst>
+                <p:cond evt="onPrev" delay="0">
+                  <p:tgtEl>
+                    <p:sldTgt/>
+                  </p:tgtEl>
+                </p:cond>
+              </p:prevCondLst>
+              <p:nextCondLst>
+                <p:cond evt="onNext" delay="0">
+                  <p:tgtEl>
+                    <p:sldTgt/>
+                  </p:tgtEl>
+                </p:cond>
+              </p:nextCondLst>
+            </p:seq>
+          </p:childTnLst>
+        </p:cTn>
+      </p:par>
+    </p:tnLst>
+    <p:bldLst>
+      <p:bldP spid="2" grpId="0"/>
+    </p:bldLst>
+  </p:timing>
 </p:sld>
 </file>
 
@@ -11007,7 +11451,7 @@
           <a:lstStyle/>
           <a:p>
             <a:r>
-              <a:rPr lang="en-US" dirty="0"/>
+              <a:rPr lang="en-US"/>
               <a:t>Data Collection</a:t>
             </a:r>
           </a:p>
@@ -11059,7 +11503,7 @@
               </a:tabLst>
             </a:pPr>
             <a:r>
-              <a:rPr lang="en-US" sz="2800" b="1" kern="0" dirty="0">
+              <a:rPr lang="en-US" sz="2800" b="1" kern="0">
                 <a:effectLst/>
                 <a:ea typeface="Times New Roman" panose="02020603050405020304" pitchFamily="18" charset="0"/>
                 <a:cs typeface="Times New Roman" panose="02020603050405020304" pitchFamily="18" charset="0"/>
@@ -11067,14 +11511,14 @@
               <a:t>Quantitative Data</a:t>
             </a:r>
             <a:r>
-              <a:rPr lang="en-US" sz="2800" kern="0" dirty="0">
+              <a:rPr lang="en-US" sz="2800" kern="0">
                 <a:effectLst/>
                 <a:ea typeface="Times New Roman" panose="02020603050405020304" pitchFamily="18" charset="0"/>
                 <a:cs typeface="Times New Roman" panose="02020603050405020304" pitchFamily="18" charset="0"/>
               </a:rPr>
               <a:t>: Online surveys targeting users of various payment gateways. The survey will include Likert scale questions to measure satisfaction levels across different factors.</a:t>
             </a:r>
-            <a:endParaRPr lang="en-US" sz="2800" kern="100" dirty="0">
+            <a:endParaRPr lang="en-US" sz="2800" kern="100">
               <a:ea typeface="Times New Roman" panose="02020603050405020304" pitchFamily="18" charset="0"/>
               <a:cs typeface="Mangal" panose="02040503050203030202" pitchFamily="18" charset="0"/>
             </a:endParaRPr>
@@ -11098,7 +11542,7 @@
               </a:tabLst>
             </a:pPr>
             <a:r>
-              <a:rPr lang="en-US" sz="2800" b="1" kern="0" dirty="0">
+              <a:rPr lang="en-US" sz="2800" b="1" kern="0">
                 <a:effectLst/>
                 <a:ea typeface="Times New Roman" panose="02020603050405020304" pitchFamily="18" charset="0"/>
                 <a:cs typeface="Times New Roman" panose="02020603050405020304" pitchFamily="18" charset="0"/>
@@ -11106,21 +11550,21 @@
               <a:t>Qualitative Data</a:t>
             </a:r>
             <a:r>
-              <a:rPr lang="en-US" sz="2800" kern="0" dirty="0">
+              <a:rPr lang="en-US" sz="2800" kern="0">
                 <a:effectLst/>
                 <a:ea typeface="Times New Roman" panose="02020603050405020304" pitchFamily="18" charset="0"/>
                 <a:cs typeface="Times New Roman" panose="02020603050405020304" pitchFamily="18" charset="0"/>
               </a:rPr>
               <a:t>: In-depth interviews with a subset of survey respondents to gain deeper insights into their experiences and suggestions for improvement.</a:t>
             </a:r>
-            <a:endParaRPr lang="en-US" sz="2800" kern="100" dirty="0">
+            <a:endParaRPr lang="en-US" sz="2800" kern="100">
               <a:effectLst/>
               <a:ea typeface="Aptos" panose="020B0004020202020204" pitchFamily="34" charset="0"/>
               <a:cs typeface="Mangal" panose="02040503050203030202" pitchFamily="18" charset="0"/>
             </a:endParaRPr>
           </a:p>
           <a:p>
-            <a:endParaRPr lang="en-US" sz="2800" dirty="0"/>
+            <a:endParaRPr lang="en-US" sz="2800"/>
           </a:p>
           <a:p>
             <a:pPr marL="0" marR="0" lvl="0" indent="0">
@@ -11135,7 +11579,7 @@
               </a:spcAft>
               <a:buNone/>
             </a:pPr>
-            <a:endParaRPr lang="en-US" sz="2800" dirty="0"/>
+            <a:endParaRPr lang="en-US" sz="2800"/>
           </a:p>
         </p:txBody>
       </p:sp>
@@ -11644,7 +12088,7 @@
               </a:tabLst>
             </a:pPr>
             <a:r>
-              <a:rPr lang="en-US" kern="100" dirty="0">
+              <a:rPr lang="en-US" kern="100">
                 <a:latin typeface="Tenorite (Body)"/>
                 <a:ea typeface="Aptos" panose="020B0004020202020204" pitchFamily="34" charset="0"/>
                 <a:cs typeface="Mangal" panose="02040503050203030202" pitchFamily="18" charset="0"/>
@@ -11671,7 +12115,7 @@
               </a:tabLst>
             </a:pPr>
             <a:r>
-              <a:rPr lang="en-US" kern="100" dirty="0">
+              <a:rPr lang="en-US" kern="100">
                 <a:latin typeface="Tenorite (Body)"/>
                 <a:ea typeface="Aptos" panose="020B0004020202020204" pitchFamily="34" charset="0"/>
                 <a:cs typeface="Mangal" panose="02040503050203030202" pitchFamily="18" charset="0"/>
@@ -11683,21 +12127,21 @@
             <a:pPr marL="0" indent="0">
               <a:buNone/>
             </a:pPr>
-            <a:endParaRPr lang="en-US" dirty="0"/>
+            <a:endParaRPr lang="en-US"/>
           </a:p>
           <a:p>
             <a:pPr marL="457200" indent="-457200">
               <a:buFont typeface="Courier New" panose="02070309020205020404" pitchFamily="49" charset="0"/>
               <a:buChar char="o"/>
             </a:pPr>
-            <a:endParaRPr lang="en-US" dirty="0"/>
+            <a:endParaRPr lang="en-US"/>
           </a:p>
           <a:p>
             <a:pPr marL="457200" indent="-457200">
               <a:buFont typeface="Courier New" panose="02070309020205020404" pitchFamily="49" charset="0"/>
               <a:buChar char="o"/>
             </a:pPr>
-            <a:endParaRPr lang="en-US" dirty="0"/>
+            <a:endParaRPr lang="en-US"/>
           </a:p>
         </p:txBody>
       </p:sp>
@@ -11805,7 +12249,7 @@
               </a:tabLst>
             </a:pPr>
             <a:r>
-              <a:rPr lang="en-US" sz="2800" b="1" kern="0" dirty="0">
+              <a:rPr lang="en-US" sz="2800" b="1" kern="0">
                 <a:effectLst/>
                 <a:latin typeface="Tenorite (Body)"/>
                 <a:ea typeface="Times New Roman" panose="02020603050405020304" pitchFamily="18" charset="0"/>
@@ -11814,7 +12258,7 @@
               <a:t>Quantitative Data</a:t>
             </a:r>
             <a:r>
-              <a:rPr lang="en-US" sz="2800" kern="0" dirty="0">
+              <a:rPr lang="en-US" sz="2800" kern="0">
                 <a:effectLst/>
                 <a:latin typeface="Tenorite (Body)"/>
                 <a:ea typeface="Times New Roman" panose="02020603050405020304" pitchFamily="18" charset="0"/>
@@ -11822,7 +12266,7 @@
               </a:rPr>
               <a:t>: Statistical analysis using software such as SPSS or R to identify trends and correlations.</a:t>
             </a:r>
-            <a:endParaRPr lang="en-US" sz="2800" kern="100" dirty="0">
+            <a:endParaRPr lang="en-US" sz="2800" kern="100">
               <a:latin typeface="Tenorite (Body)"/>
               <a:ea typeface="Times New Roman" panose="02020603050405020304" pitchFamily="18" charset="0"/>
               <a:cs typeface="Mangal" panose="02040503050203030202" pitchFamily="18" charset="0"/>
@@ -11847,7 +12291,7 @@
               </a:tabLst>
             </a:pPr>
             <a:r>
-              <a:rPr lang="en-US" sz="2800" b="1" kern="0" dirty="0">
+              <a:rPr lang="en-US" sz="2800" b="1" kern="0">
                 <a:effectLst/>
                 <a:latin typeface="Tenorite (Body)"/>
                 <a:ea typeface="Times New Roman" panose="02020603050405020304" pitchFamily="18" charset="0"/>
@@ -11856,7 +12300,7 @@
               <a:t>Qualitative Data</a:t>
             </a:r>
             <a:r>
-              <a:rPr lang="en-US" sz="2800" kern="0" dirty="0">
+              <a:rPr lang="en-US" sz="2800" kern="0">
                 <a:effectLst/>
                 <a:latin typeface="Tenorite (Body)"/>
                 <a:ea typeface="Times New Roman" panose="02020603050405020304" pitchFamily="18" charset="0"/>
@@ -11864,7 +12308,7 @@
               </a:rPr>
               <a:t>: Thematic analysis to extract common themes and insights from interview transcripts.</a:t>
             </a:r>
-            <a:endParaRPr lang="en-US" sz="2800" kern="100" dirty="0">
+            <a:endParaRPr lang="en-US" sz="2800" kern="100">
               <a:effectLst/>
               <a:latin typeface="Tenorite (Body)"/>
               <a:ea typeface="Aptos" panose="020B0004020202020204" pitchFamily="34" charset="0"/>
@@ -11875,7 +12319,7 @@
             <a:pPr marL="0" indent="0">
               <a:buNone/>
             </a:pPr>
-            <a:endParaRPr lang="en-US" dirty="0"/>
+            <a:endParaRPr lang="en-US"/>
           </a:p>
         </p:txBody>
       </p:sp>
@@ -11936,7 +12380,7 @@
           <a:lstStyle/>
           <a:p>
             <a:r>
-              <a:rPr lang="en-US" dirty="0"/>
+              <a:rPr lang="en-US" sz="4400"/>
               <a:t>Expected Outcome</a:t>
             </a:r>
           </a:p>
@@ -11960,7 +12404,7 @@
         </p:nvSpPr>
         <p:spPr>
           <a:xfrm>
-            <a:off x="243261" y="1641987"/>
+            <a:off x="282589" y="2037403"/>
             <a:ext cx="7642210" cy="3844413"/>
           </a:xfrm>
         </p:spPr>
@@ -11982,9 +12426,9 @@
               <a:buChar char=""/>
             </a:pPr>
             <a:r>
-              <a:rPr lang="en-US" sz="2000" kern="100" dirty="0">
+              <a:rPr lang="en-US" sz="2400" kern="100">
                 <a:effectLst/>
-                <a:latin typeface="Aptos" panose="020B0004020202020204" pitchFamily="34" charset="0"/>
+                <a:latin typeface="Tenorite" pitchFamily="2" charset="0"/>
                 <a:ea typeface="Aptos" panose="020B0004020202020204" pitchFamily="34" charset="0"/>
                 <a:cs typeface="Mangal" panose="02040503050203030202" pitchFamily="18" charset="0"/>
               </a:rPr>
@@ -12006,9 +12450,9 @@
               <a:buChar char=""/>
             </a:pPr>
             <a:r>
-              <a:rPr lang="en-US" sz="2000" kern="100" dirty="0">
+              <a:rPr lang="en-US" sz="2400" kern="100">
                 <a:effectLst/>
-                <a:latin typeface="Aptos" panose="020B0004020202020204" pitchFamily="34" charset="0"/>
+                <a:latin typeface="Tenorite" pitchFamily="2" charset="0"/>
                 <a:ea typeface="Aptos" panose="020B0004020202020204" pitchFamily="34" charset="0"/>
                 <a:cs typeface="Mangal" panose="02040503050203030202" pitchFamily="18" charset="0"/>
               </a:rPr>
@@ -12030,9 +12474,9 @@
               <a:buChar char=""/>
             </a:pPr>
             <a:r>
-              <a:rPr lang="en-US" sz="2000" kern="100" dirty="0">
+              <a:rPr lang="en-US" sz="2400" kern="100">
                 <a:effectLst/>
-                <a:latin typeface="Aptos" panose="020B0004020202020204" pitchFamily="34" charset="0"/>
+                <a:latin typeface="Tenorite" pitchFamily="2" charset="0"/>
                 <a:ea typeface="Aptos" panose="020B0004020202020204" pitchFamily="34" charset="0"/>
                 <a:cs typeface="Mangal" panose="02040503050203030202" pitchFamily="18" charset="0"/>
               </a:rPr>
@@ -12054,9 +12498,9 @@
               <a:buChar char=""/>
             </a:pPr>
             <a:r>
-              <a:rPr lang="en-US" sz="2000" kern="100" dirty="0">
+              <a:rPr lang="en-US" sz="2400" kern="100">
                 <a:effectLst/>
-                <a:latin typeface="Aptos" panose="020B0004020202020204" pitchFamily="34" charset="0"/>
+                <a:latin typeface="Tenorite" pitchFamily="2" charset="0"/>
                 <a:ea typeface="Aptos" panose="020B0004020202020204" pitchFamily="34" charset="0"/>
                 <a:cs typeface="Mangal" panose="02040503050203030202" pitchFamily="18" charset="0"/>
               </a:rPr>
@@ -12064,7 +12508,7 @@
             </a:r>
           </a:p>
           <a:p>
-            <a:endParaRPr lang="en-US" sz="2000" dirty="0"/>
+            <a:endParaRPr lang="en-US" sz="2400"/>
           </a:p>
         </p:txBody>
       </p:sp>
@@ -12120,7 +12564,7 @@
           <a:lstStyle/>
           <a:p>
             <a:r>
-              <a:rPr lang="en-US" dirty="0"/>
+              <a:rPr lang="en-US"/>
               <a:t>Conclusion</a:t>
             </a:r>
           </a:p>
@@ -12154,9 +12598,9 @@
               <a:buChar char="•"/>
             </a:pPr>
             <a:r>
-              <a:rPr lang="en-US" sz="2000" dirty="0">
+              <a:rPr lang="en-US">
                 <a:effectLst/>
-                <a:latin typeface="Aptos" panose="020B0004020202020204" pitchFamily="34" charset="0"/>
+                <a:latin typeface="Tenorite" pitchFamily="2" charset="0"/>
                 <a:ea typeface="Aptos" panose="020B0004020202020204" pitchFamily="34" charset="0"/>
                 <a:cs typeface="Mangal" panose="02040503050203030202" pitchFamily="18" charset="0"/>
               </a:rPr>
@@ -12169,9 +12613,9 @@
               <a:buChar char="•"/>
             </a:pPr>
             <a:r>
-              <a:rPr lang="en-US" sz="2000" dirty="0">
+              <a:rPr lang="en-US">
                 <a:effectLst/>
-                <a:latin typeface="Aptos" panose="020B0004020202020204" pitchFamily="34" charset="0"/>
+                <a:latin typeface="Tenorite" pitchFamily="2" charset="0"/>
                 <a:ea typeface="Aptos" panose="020B0004020202020204" pitchFamily="34" charset="0"/>
                 <a:cs typeface="Mangal" panose="02040503050203030202" pitchFamily="18" charset="0"/>
               </a:rPr>
@@ -12184,23 +12628,25 @@
               <a:buChar char="•"/>
             </a:pPr>
             <a:r>
-              <a:rPr lang="en-US" sz="2000" dirty="0">
-                <a:latin typeface="Aptos" panose="020B0004020202020204" pitchFamily="34" charset="0"/>
+              <a:rPr lang="en-US">
+                <a:latin typeface="Tenorite" pitchFamily="2" charset="0"/>
                 <a:ea typeface="Aptos" panose="020B0004020202020204" pitchFamily="34" charset="0"/>
                 <a:cs typeface="Mangal" panose="02040503050203030202" pitchFamily="18" charset="0"/>
               </a:rPr>
               <a:t>It will</a:t>
             </a:r>
             <a:r>
-              <a:rPr lang="en-US" sz="2000" dirty="0">
+              <a:rPr lang="en-US">
                 <a:effectLst/>
-                <a:latin typeface="Aptos" panose="020B0004020202020204" pitchFamily="34" charset="0"/>
+                <a:latin typeface="Tenorite" pitchFamily="2" charset="0"/>
                 <a:ea typeface="Aptos" panose="020B0004020202020204" pitchFamily="34" charset="0"/>
                 <a:cs typeface="Mangal" panose="02040503050203030202" pitchFamily="18" charset="0"/>
               </a:rPr>
               <a:t> contribute to the growth of e-commerce.</a:t>
             </a:r>
-            <a:endParaRPr lang="en-US" sz="3200" dirty="0"/>
+            <a:endParaRPr lang="en-US">
+              <a:latin typeface="Tenorite" pitchFamily="2" charset="0"/>
+            </a:endParaRPr>
           </a:p>
         </p:txBody>
       </p:sp>
@@ -12274,7 +12720,7 @@
               <a:buChar char=""/>
             </a:pPr>
             <a:r>
-              <a:rPr lang="en-US" sz="1800" kern="100" dirty="0">
+              <a:rPr lang="en-US" sz="1800" kern="100">
                 <a:effectLst/>
                 <a:latin typeface="Aptos" panose="020B0004020202020204" pitchFamily="34" charset="0"/>
                 <a:ea typeface="Aptos" panose="020B0004020202020204" pitchFamily="34" charset="0"/>
@@ -12283,7 +12729,7 @@
               <a:t>Chandra, S., Srivastava, S. C., &amp; </a:t>
             </a:r>
             <a:r>
-              <a:rPr lang="en-US" sz="1800" kern="100" dirty="0" err="1">
+              <a:rPr lang="en-US" sz="1800" kern="100" err="1">
                 <a:effectLst/>
                 <a:latin typeface="Aptos" panose="020B0004020202020204" pitchFamily="34" charset="0"/>
                 <a:ea typeface="Aptos" panose="020B0004020202020204" pitchFamily="34" charset="0"/>
@@ -12292,7 +12738,7 @@
               <a:t>Theng</a:t>
             </a:r>
             <a:r>
-              <a:rPr lang="en-US" sz="1800" kern="100" dirty="0">
+              <a:rPr lang="en-US" sz="1800" kern="100">
                 <a:effectLst/>
                 <a:latin typeface="Aptos" panose="020B0004020202020204" pitchFamily="34" charset="0"/>
                 <a:ea typeface="Aptos" panose="020B0004020202020204" pitchFamily="34" charset="0"/>
@@ -12316,7 +12762,7 @@
               <a:buChar char=""/>
             </a:pPr>
             <a:r>
-              <a:rPr lang="en-US" sz="1800" kern="100" dirty="0">
+              <a:rPr lang="en-US" sz="1800" kern="100">
                 <a:effectLst/>
                 <a:latin typeface="Aptos" panose="020B0004020202020204" pitchFamily="34" charset="0"/>
                 <a:ea typeface="Aptos" panose="020B0004020202020204" pitchFamily="34" charset="0"/>
@@ -12340,7 +12786,7 @@
               <a:buChar char=""/>
             </a:pPr>
             <a:r>
-              <a:rPr lang="en-US" sz="1800" kern="100" dirty="0">
+              <a:rPr lang="en-US" sz="1800" kern="100">
                 <a:effectLst/>
                 <a:latin typeface="Aptos" panose="020B0004020202020204" pitchFamily="34" charset="0"/>
                 <a:ea typeface="Aptos" panose="020B0004020202020204" pitchFamily="34" charset="0"/>
@@ -12364,7 +12810,7 @@
               <a:buChar char=""/>
             </a:pPr>
             <a:r>
-              <a:rPr lang="en-US" sz="1800" kern="100" dirty="0" err="1">
+              <a:rPr lang="en-US" sz="1800" kern="100" err="1">
                 <a:effectLst/>
                 <a:latin typeface="Aptos" panose="020B0004020202020204" pitchFamily="34" charset="0"/>
                 <a:ea typeface="Aptos" panose="020B0004020202020204" pitchFamily="34" charset="0"/>
@@ -12373,7 +12819,7 @@
               <a:t>Wolfinbarger</a:t>
             </a:r>
             <a:r>
-              <a:rPr lang="en-US" sz="1800" kern="100" dirty="0">
+              <a:rPr lang="en-US" sz="1800" kern="100">
                 <a:effectLst/>
                 <a:latin typeface="Aptos" panose="020B0004020202020204" pitchFamily="34" charset="0"/>
                 <a:ea typeface="Aptos" panose="020B0004020202020204" pitchFamily="34" charset="0"/>
@@ -12382,7 +12828,7 @@
               <a:t>, M., &amp; Gilly, M. C. (2003). </a:t>
             </a:r>
             <a:r>
-              <a:rPr lang="en-US" sz="1800" kern="100" dirty="0" err="1">
+              <a:rPr lang="en-US" sz="1800" kern="100" err="1">
                 <a:effectLst/>
                 <a:latin typeface="Aptos" panose="020B0004020202020204" pitchFamily="34" charset="0"/>
                 <a:ea typeface="Aptos" panose="020B0004020202020204" pitchFamily="34" charset="0"/>
@@ -12391,7 +12837,7 @@
               <a:t>eTailQ</a:t>
             </a:r>
             <a:r>
-              <a:rPr lang="en-US" sz="1800" kern="100" dirty="0">
+              <a:rPr lang="en-US" sz="1800" kern="100">
                 <a:effectLst/>
                 <a:latin typeface="Aptos" panose="020B0004020202020204" pitchFamily="34" charset="0"/>
                 <a:ea typeface="Aptos" panose="020B0004020202020204" pitchFamily="34" charset="0"/>
@@ -12400,7 +12846,7 @@
               <a:t>: </a:t>
             </a:r>
             <a:r>
-              <a:rPr lang="en-US" sz="1800" kern="100" dirty="0" err="1">
+              <a:rPr lang="en-US" sz="1800" kern="100" err="1">
                 <a:effectLst/>
                 <a:latin typeface="Aptos" panose="020B0004020202020204" pitchFamily="34" charset="0"/>
                 <a:ea typeface="Aptos" panose="020B0004020202020204" pitchFamily="34" charset="0"/>
@@ -12409,7 +12855,7 @@
               <a:t>Dimensionalizing</a:t>
             </a:r>
             <a:r>
-              <a:rPr lang="en-US" sz="1800" kern="100" dirty="0">
+              <a:rPr lang="en-US" sz="1800" kern="100">
                 <a:effectLst/>
                 <a:latin typeface="Aptos" panose="020B0004020202020204" pitchFamily="34" charset="0"/>
                 <a:ea typeface="Aptos" panose="020B0004020202020204" pitchFamily="34" charset="0"/>
@@ -12418,7 +12864,7 @@
               <a:t>, measuring and predicting </a:t>
             </a:r>
             <a:r>
-              <a:rPr lang="en-US" sz="1800" kern="100" dirty="0" err="1">
+              <a:rPr lang="en-US" sz="1800" kern="100" err="1">
                 <a:effectLst/>
                 <a:latin typeface="Aptos" panose="020B0004020202020204" pitchFamily="34" charset="0"/>
                 <a:ea typeface="Aptos" panose="020B0004020202020204" pitchFamily="34" charset="0"/>
@@ -12427,7 +12873,7 @@
               <a:t>etail</a:t>
             </a:r>
             <a:r>
-              <a:rPr lang="en-US" sz="1800" kern="100" dirty="0">
+              <a:rPr lang="en-US" sz="1800" kern="100">
                 <a:effectLst/>
                 <a:latin typeface="Aptos" panose="020B0004020202020204" pitchFamily="34" charset="0"/>
                 <a:ea typeface="Aptos" panose="020B0004020202020204" pitchFamily="34" charset="0"/>
@@ -12451,7 +12897,7 @@
               <a:buChar char=""/>
             </a:pPr>
             <a:r>
-              <a:rPr lang="en-US" sz="1800" kern="100" dirty="0">
+              <a:rPr lang="en-US" sz="1800" kern="100">
                 <a:effectLst/>
                 <a:latin typeface="Aptos" panose="020B0004020202020204" pitchFamily="34" charset="0"/>
                 <a:ea typeface="Aptos" panose="020B0004020202020204" pitchFamily="34" charset="0"/>
@@ -12460,7 +12906,7 @@
               <a:t>Creswell, J. W., &amp; Creswell, J. D. (2017). </a:t>
             </a:r>
             <a:r>
-              <a:rPr lang="en-US" sz="1800" i="1" kern="100" dirty="0">
+              <a:rPr lang="en-US" sz="1800" i="1" kern="100">
                 <a:effectLst/>
                 <a:latin typeface="Aptos" panose="020B0004020202020204" pitchFamily="34" charset="0"/>
                 <a:ea typeface="Aptos" panose="020B0004020202020204" pitchFamily="34" charset="0"/>
@@ -12469,7 +12915,7 @@
               <a:t>Research Design: Qualitative, Quantitative, and Mixed Methods Approaches</a:t>
             </a:r>
             <a:r>
-              <a:rPr lang="en-US" sz="1800" kern="100" dirty="0">
+              <a:rPr lang="en-US" sz="1800" kern="100">
                 <a:effectLst/>
                 <a:latin typeface="Aptos" panose="020B0004020202020204" pitchFamily="34" charset="0"/>
                 <a:ea typeface="Aptos" panose="020B0004020202020204" pitchFamily="34" charset="0"/>
@@ -12493,7 +12939,7 @@
               <a:buChar char=""/>
             </a:pPr>
             <a:r>
-              <a:rPr lang="en-US" sz="1800" dirty="0">
+              <a:rPr lang="en-US" sz="1800">
                 <a:effectLst/>
                 <a:latin typeface="Aptos" panose="020B0004020202020204" pitchFamily="34" charset="0"/>
                 <a:ea typeface="Aptos" panose="020B0004020202020204" pitchFamily="34" charset="0"/>
@@ -12502,7 +12948,7 @@
               <a:t>Saunders, M., Lewis, P., &amp; Thornhill, A. (2019). </a:t>
             </a:r>
             <a:r>
-              <a:rPr lang="en-US" sz="1800" i="1" dirty="0">
+              <a:rPr lang="en-US" sz="1800" i="1">
                 <a:effectLst/>
                 <a:latin typeface="Aptos" panose="020B0004020202020204" pitchFamily="34" charset="0"/>
                 <a:ea typeface="Aptos" panose="020B0004020202020204" pitchFamily="34" charset="0"/>
@@ -12511,7 +12957,7 @@
               <a:t>Research Methods for Business Students</a:t>
             </a:r>
             <a:r>
-              <a:rPr lang="en-US" sz="1800" dirty="0">
+              <a:rPr lang="en-US" sz="1800">
                 <a:effectLst/>
                 <a:latin typeface="Aptos" panose="020B0004020202020204" pitchFamily="34" charset="0"/>
                 <a:ea typeface="Aptos" panose="020B0004020202020204" pitchFamily="34" charset="0"/>
@@ -12535,7 +12981,7 @@
               <a:buChar char=""/>
             </a:pPr>
             <a:r>
-              <a:rPr lang="en-US" sz="1800" u="sng" kern="100" dirty="0">
+              <a:rPr lang="en-US" sz="1800" u="sng" kern="100">
                 <a:solidFill>
                   <a:srgbClr val="467886"/>
                 </a:solidFill>
@@ -12546,7 +12992,7 @@
               </a:rPr>
               <a:t>https://docs.stripe.com/api/errors</a:t>
             </a:r>
-            <a:endParaRPr lang="en-US" sz="1800" kern="100" dirty="0">
+            <a:endParaRPr lang="en-US" sz="1800" kern="100">
               <a:latin typeface="Aptos" panose="020B0004020202020204" pitchFamily="34" charset="0"/>
               <a:ea typeface="Aptos" panose="020B0004020202020204" pitchFamily="34" charset="0"/>
               <a:cs typeface="Mangal" panose="02040503050203030202" pitchFamily="18" charset="0"/>
@@ -12567,7 +13013,7 @@
               <a:buChar char=""/>
             </a:pPr>
             <a:r>
-              <a:rPr lang="en-US" sz="1800" u="sng" kern="100" dirty="0">
+              <a:rPr lang="en-US" sz="1800" u="sng" kern="100">
                 <a:solidFill>
                   <a:srgbClr val="467886"/>
                 </a:solidFill>
@@ -12579,7 +13025,7 @@
               </a:rPr>
               <a:t>https://core.ac.uk/download/pdf/162136359.pdf</a:t>
             </a:r>
-            <a:endParaRPr lang="en-US" sz="1800" kern="100" dirty="0">
+            <a:endParaRPr lang="en-US" sz="1800" kern="100">
               <a:effectLst/>
               <a:latin typeface="Aptos" panose="020B0004020202020204" pitchFamily="34" charset="0"/>
               <a:ea typeface="Aptos" panose="020B0004020202020204" pitchFamily="34" charset="0"/>
@@ -12606,7 +13052,7 @@
         </p:nvSpPr>
         <p:spPr>
           <a:xfrm>
-            <a:off x="975360" y="173998"/>
+            <a:off x="1133168" y="173998"/>
             <a:ext cx="5120640" cy="1828800"/>
           </a:xfrm>
         </p:spPr>
@@ -12614,11 +13060,11 @@
           <a:bodyPr/>
           <a:lstStyle/>
           <a:p>
-            <a:endParaRPr lang="en-US" sz="2400" b="1" dirty="0"/>
+            <a:endParaRPr lang="en-US" sz="2400" b="1"/>
           </a:p>
           <a:p>
             <a:r>
-              <a:rPr lang="en-US" sz="2400" b="1" dirty="0"/>
+              <a:rPr lang="en-US" sz="4400" b="1"/>
               <a:t>References</a:t>
             </a:r>
           </a:p>
@@ -12681,7 +13127,7 @@
           <a:lstStyle/>
           <a:p>
             <a:r>
-              <a:rPr lang="en-US" dirty="0"/>
+              <a:rPr lang="en-US"/>
               <a:t>Thank you</a:t>
             </a:r>
           </a:p>
@@ -12697,6 +13143,18 @@
   <p:clrMapOvr>
     <a:masterClrMapping/>
   </p:clrMapOvr>
+  <mc:AlternateContent xmlns:mc="http://schemas.openxmlformats.org/markup-compatibility/2006">
+    <mc:Choice xmlns:p15="http://schemas.microsoft.com/office/powerpoint/2012/main" Requires="p15">
+      <p:transition xmlns:p14="http://schemas.microsoft.com/office/powerpoint/2010/main" spd="slow" p14:dur="3250">
+        <p15:prstTrans prst="origami"/>
+      </p:transition>
+    </mc:Choice>
+    <mc:Fallback>
+      <p:transition spd="slow">
+        <p:fade/>
+      </p:transition>
+    </mc:Fallback>
+  </mc:AlternateContent>
 </p:sld>
 </file>
 
@@ -12744,7 +13202,7 @@
           <a:lstStyle/>
           <a:p>
             <a:r>
-              <a:rPr lang="en-US" dirty="0"/>
+              <a:rPr lang="en-US"/>
               <a:t>A Research Presentation on Satisfaction of User on Payment Gateway</a:t>
             </a:r>
           </a:p>
@@ -12815,7 +13273,7 @@
           <a:lstStyle/>
           <a:p>
             <a:r>
-              <a:rPr lang="en-US" dirty="0"/>
+              <a:rPr lang="en-US"/>
               <a:t>Abstract</a:t>
             </a:r>
           </a:p>
@@ -12863,13 +13321,13 @@
               <a:buChar char=""/>
             </a:pPr>
             <a:r>
-              <a:rPr lang="en-US" sz="2800" kern="100" dirty="0">
+              <a:rPr lang="en-US" sz="2800" kern="100">
                 <a:effectLst/>
                 <a:latin typeface="Tenorite (Body)"/>
                 <a:ea typeface="Aptos" panose="020B0004020202020204" pitchFamily="34" charset="0"/>
                 <a:cs typeface="Mangal" panose="02040503050203030202" pitchFamily="18" charset="0"/>
               </a:rPr>
-              <a:t>This proposal aims to investigate the satisfaction of user on payment gateway.</a:t>
+              <a:t>This proposal aims to investigate on the satisfaction of user on payment gateway.</a:t>
             </a:r>
           </a:p>
           <a:p>
@@ -12887,7 +13345,7 @@
               <a:buChar char=""/>
             </a:pPr>
             <a:r>
-              <a:rPr lang="en-US" sz="2800" kern="100" dirty="0">
+              <a:rPr lang="en-US" sz="2800" kern="100">
                 <a:effectLst/>
                 <a:latin typeface="Tenorite (Body)"/>
                 <a:ea typeface="Aptos" panose="020B0004020202020204" pitchFamily="34" charset="0"/>
@@ -12911,7 +13369,7 @@
               <a:buChar char=""/>
             </a:pPr>
             <a:r>
-              <a:rPr lang="en-US" sz="2800" kern="100" dirty="0">
+              <a:rPr lang="en-US" sz="2800" kern="100">
                 <a:effectLst/>
                 <a:latin typeface="Tenorite (Body)"/>
                 <a:ea typeface="Aptos" panose="020B0004020202020204" pitchFamily="34" charset="0"/>
@@ -12935,7 +13393,7 @@
               <a:buChar char=""/>
             </a:pPr>
             <a:r>
-              <a:rPr lang="en-US" sz="2800" kern="100" dirty="0">
+              <a:rPr lang="en-US" sz="2800" kern="100">
                 <a:effectLst/>
                 <a:latin typeface="Tenorite (Body)"/>
                 <a:ea typeface="Aptos" panose="020B0004020202020204" pitchFamily="34" charset="0"/>
@@ -12959,7 +13417,7 @@
               <a:buChar char=""/>
             </a:pPr>
             <a:r>
-              <a:rPr lang="en-US" sz="2800" kern="100" dirty="0">
+              <a:rPr lang="en-US" sz="2800" kern="100">
                 <a:effectLst/>
                 <a:latin typeface="Tenorite (Body)"/>
                 <a:ea typeface="Aptos" panose="020B0004020202020204" pitchFamily="34" charset="0"/>
@@ -12969,7 +13427,7 @@
             </a:r>
           </a:p>
           <a:p>
-            <a:endParaRPr lang="en-US" sz="2800" dirty="0">
+            <a:endParaRPr lang="en-US" sz="2800">
               <a:latin typeface="Tenorite (Body)"/>
             </a:endParaRPr>
           </a:p>
@@ -13040,7 +13498,7 @@
           <a:lstStyle/>
           <a:p>
             <a:r>
-              <a:rPr lang="en-US" dirty="0"/>
+              <a:rPr lang="en-US"/>
               <a:t>Introduction</a:t>
             </a:r>
           </a:p>
@@ -13079,15 +13537,15 @@
               <a:buChar char="o"/>
             </a:pPr>
             <a:r>
-              <a:rPr lang="en-US" dirty="0"/>
+              <a:rPr lang="en-US"/>
               <a:t>A </a:t>
             </a:r>
             <a:r>
-              <a:rPr lang="en-US" b="1" dirty="0"/>
+              <a:rPr lang="en-US" b="1"/>
               <a:t>Payment Gateway </a:t>
             </a:r>
             <a:r>
-              <a:rPr lang="en-US" dirty="0"/>
+              <a:rPr lang="en-US"/>
               <a:t>is a technology used by merchants to accept debit or credit card purchases from customers.</a:t>
             </a:r>
           </a:p>
@@ -13097,7 +13555,7 @@
               <a:buChar char="o"/>
             </a:pPr>
             <a:r>
-              <a:rPr lang="en-US" dirty="0"/>
+              <a:rPr lang="en-US"/>
               <a:t>It acts as an intermediate between the merchant and the financial institutions to process the transaction. </a:t>
             </a:r>
           </a:p>
@@ -13107,7 +13565,7 @@
               <a:buChar char="o"/>
             </a:pPr>
             <a:r>
-              <a:rPr lang="en-US" dirty="0"/>
+              <a:rPr lang="en-US"/>
               <a:t>It checks whether there are sufficient funds available, and check details of users that are correct or not.</a:t>
             </a:r>
           </a:p>
@@ -13117,15 +13575,15 @@
               <a:buChar char="o"/>
             </a:pPr>
             <a:r>
-              <a:rPr lang="en-US" dirty="0"/>
+              <a:rPr lang="en-US"/>
               <a:t>In order to check these details, the </a:t>
             </a:r>
             <a:r>
-              <a:rPr lang="en-US" b="1" dirty="0"/>
+              <a:rPr lang="en-US" b="1"/>
               <a:t>payment gateway </a:t>
             </a:r>
             <a:r>
-              <a:rPr lang="en-US" dirty="0"/>
+              <a:rPr lang="en-US"/>
               <a:t>will communicate with the Card Schemas and Issuing Banks.</a:t>
             </a:r>
           </a:p>
@@ -13135,7 +13593,7 @@
               <a:buChar char="o"/>
             </a:pPr>
             <a:r>
-              <a:rPr lang="en-US" dirty="0"/>
+              <a:rPr lang="en-US"/>
               <a:t>And then report back with its findings and relevant transaction response.</a:t>
             </a:r>
           </a:p>
@@ -13206,7 +13664,7 @@
           <a:lstStyle/>
           <a:p>
             <a:r>
-              <a:rPr lang="en-US" sz="4400" dirty="0"/>
+              <a:rPr lang="en-US" sz="4400"/>
               <a:t>Introduction (Cont’d)</a:t>
             </a:r>
           </a:p>
@@ -13641,8 +14099,8 @@
               <a:buChar char="o"/>
             </a:pPr>
             <a:r>
-              <a:rPr lang="en-US" dirty="0"/>
-              <a:t>Merchants gain the ability to perform real-time Credit Card authorizations from a web site over the Internet.</a:t>
+              <a:rPr lang="en-US"/>
+              <a:t>Customers can pay for purchases across the Internet through Credit Cards within seconds, after the gateway obtains authorization from the Credit Card.</a:t>
             </a:r>
           </a:p>
           <a:p>
@@ -13650,31 +14108,21 @@
               <a:buFont typeface="Courier New" panose="02070309020205020404" pitchFamily="49" charset="0"/>
               <a:buChar char="o"/>
             </a:pPr>
-            <a:r>
-              <a:rPr lang="en-US" dirty="0"/>
-              <a:t>Customers can pay for purchases across the Internet through Credit Cards within seconds, after the gateway obtains authorization from the Credit Card institutions.</a:t>
-            </a:r>
+            <a:endParaRPr lang="en-US"/>
           </a:p>
           <a:p>
             <a:pPr marL="457200" indent="-457200">
               <a:buFont typeface="Courier New" panose="02070309020205020404" pitchFamily="49" charset="0"/>
               <a:buChar char="o"/>
             </a:pPr>
-            <a:endParaRPr lang="en-US" dirty="0"/>
+            <a:endParaRPr lang="en-US"/>
           </a:p>
           <a:p>
             <a:pPr marL="457200" indent="-457200">
               <a:buFont typeface="Courier New" panose="02070309020205020404" pitchFamily="49" charset="0"/>
               <a:buChar char="o"/>
             </a:pPr>
-            <a:endParaRPr lang="en-US" dirty="0"/>
-          </a:p>
-          <a:p>
-            <a:pPr marL="457200" indent="-457200">
-              <a:buFont typeface="Courier New" panose="02070309020205020404" pitchFamily="49" charset="0"/>
-              <a:buChar char="o"/>
-            </a:pPr>
-            <a:endParaRPr lang="en-US" dirty="0"/>
+            <a:endParaRPr lang="en-US"/>
           </a:p>
         </p:txBody>
       </p:sp>
@@ -13859,8 +14307,8 @@
         </p:nvSpPr>
         <p:spPr>
           <a:xfrm>
-            <a:off x="1166813" y="317500"/>
-            <a:ext cx="9779183" cy="1706563"/>
+            <a:off x="904035" y="160637"/>
+            <a:ext cx="9779183" cy="874885"/>
           </a:xfrm>
         </p:spPr>
         <p:txBody>
@@ -13892,7 +14340,7 @@
         </p:nvSpPr>
         <p:spPr>
           <a:xfrm>
-            <a:off x="1166813" y="2024062"/>
+            <a:off x="904035" y="1468009"/>
             <a:ext cx="10041961" cy="4123519"/>
           </a:xfrm>
         </p:spPr>
@@ -13901,30 +14349,6 @@
             <a:noAutofit/>
           </a:bodyPr>
           <a:lstStyle/>
-          <a:p>
-            <a:pPr marL="342900" marR="0" lvl="0" indent="-342900">
-              <a:lnSpc>
-                <a:spcPct val="107000"/>
-              </a:lnSpc>
-              <a:spcBef>
-                <a:spcPts val="0"/>
-              </a:spcBef>
-              <a:spcAft>
-                <a:spcPts val="0"/>
-              </a:spcAft>
-              <a:buFont typeface="Symbol" panose="05050102010706020507" pitchFamily="18" charset="2"/>
-              <a:buChar char=""/>
-            </a:pPr>
-            <a:r>
-              <a:rPr lang="en-US" sz="2800" kern="100">
-                <a:effectLst/>
-                <a:latin typeface="Tenorite (Body)"/>
-                <a:ea typeface="Aptos" panose="020B0004020202020204" pitchFamily="34" charset="0"/>
-                <a:cs typeface="Mangal" panose="02040503050203030202" pitchFamily="18" charset="0"/>
-              </a:rPr>
-              <a:t>To identify the key factors influencing user satisfaction with payment gateways.</a:t>
-            </a:r>
-          </a:p>
           <a:p>
             <a:pPr marL="342900" marR="0" lvl="0" indent="-342900">
               <a:lnSpc>
@@ -13970,7 +14394,7 @@
                 <a:ea typeface="Aptos" panose="020B0004020202020204" pitchFamily="34" charset="0"/>
                 <a:cs typeface="Mangal" panose="02040503050203030202" pitchFamily="18" charset="0"/>
               </a:rPr>
-              <a:t>To analyze the impact of security, ease of use, transaction speed, reliability, and support on user satisfaction.</a:t>
+              <a:t>A mixed-method approach will be employed, combining quantitative data from online surveys with qualitative insights from in-depth interviews.</a:t>
             </a:r>
           </a:p>
           <a:p>
@@ -13982,7 +14406,7 @@
                 <a:spcPts val="0"/>
               </a:spcBef>
               <a:spcAft>
-                <a:spcPts val="800"/>
+                <a:spcPts val="0"/>
               </a:spcAft>
               <a:buFont typeface="Symbol" panose="05050102010706020507" pitchFamily="18" charset="2"/>
               <a:buChar char=""/>
@@ -13994,10 +14418,16 @@
                 <a:ea typeface="Aptos" panose="020B0004020202020204" pitchFamily="34" charset="0"/>
                 <a:cs typeface="Mangal" panose="02040503050203030202" pitchFamily="18" charset="0"/>
               </a:rPr>
-              <a:t>To provide recommendations for improving user satisfaction with payment gateways.</a:t>
+              <a:t>This research will contribute valuable knowledge to the field of digital payments, aiding providers in improving their services and fostering greater consumer trust and loyalty.</a:t>
             </a:r>
-          </a:p>
-          <a:p>
+            <a:endParaRPr lang="en-US" sz="2800">
+              <a:latin typeface="Tenorite (Body)"/>
+            </a:endParaRPr>
+          </a:p>
+          <a:p>
+            <a:pPr marL="0" indent="0">
+              <a:buNone/>
+            </a:pPr>
             <a:endParaRPr lang="en-US" sz="2800">
               <a:latin typeface="Tenorite (Body)"/>
             </a:endParaRPr>
@@ -14069,7 +14499,7 @@
           <a:lstStyle/>
           <a:p>
             <a:r>
-              <a:rPr lang="en-US" dirty="0"/>
+              <a:rPr lang="en-US"/>
               <a:t>Literature Review</a:t>
             </a:r>
           </a:p>
@@ -14093,6 +14523,202 @@
       <p:transition/>
     </mc:Fallback>
   </mc:AlternateContent>
+  <p:timing>
+    <p:tnLst>
+      <p:par>
+        <p:cTn id="1" dur="indefinite" restart="never" nodeType="tmRoot">
+          <p:childTnLst>
+            <p:seq concurrent="1" nextAc="seek">
+              <p:cTn id="2" dur="indefinite" nodeType="mainSeq">
+                <p:childTnLst>
+                  <p:par>
+                    <p:cTn id="3" fill="hold">
+                      <p:stCondLst>
+                        <p:cond delay="indefinite"/>
+                      </p:stCondLst>
+                      <p:childTnLst>
+                        <p:par>
+                          <p:cTn id="4" fill="hold">
+                            <p:stCondLst>
+                              <p:cond delay="0"/>
+                            </p:stCondLst>
+                            <p:childTnLst>
+                              <p:par>
+                                <p:cTn id="5" presetID="41" presetClass="entr" presetSubtype="0" fill="hold" grpId="0" nodeType="clickEffect">
+                                  <p:stCondLst>
+                                    <p:cond delay="0"/>
+                                  </p:stCondLst>
+                                  <p:iterate type="lt">
+                                    <p:tmPct val="10000"/>
+                                  </p:iterate>
+                                  <p:childTnLst>
+                                    <p:set>
+                                      <p:cBhvr>
+                                        <p:cTn id="6" dur="1" fill="hold">
+                                          <p:stCondLst>
+                                            <p:cond delay="0"/>
+                                          </p:stCondLst>
+                                        </p:cTn>
+                                        <p:tgtEl>
+                                          <p:spTgt spid="2"/>
+                                        </p:tgtEl>
+                                        <p:attrNameLst>
+                                          <p:attrName>style.visibility</p:attrName>
+                                        </p:attrNameLst>
+                                      </p:cBhvr>
+                                      <p:to>
+                                        <p:strVal val="visible"/>
+                                      </p:to>
+                                    </p:set>
+                                    <p:anim calcmode="lin" valueType="num">
+                                      <p:cBhvr>
+                                        <p:cTn id="7" dur="500" fill="hold"/>
+                                        <p:tgtEl>
+                                          <p:spTgt spid="2"/>
+                                        </p:tgtEl>
+                                        <p:attrNameLst>
+                                          <p:attrName>ppt_x</p:attrName>
+                                        </p:attrNameLst>
+                                      </p:cBhvr>
+                                      <p:tavLst>
+                                        <p:tav tm="0">
+                                          <p:val>
+                                            <p:strVal val="#ppt_x"/>
+                                          </p:val>
+                                        </p:tav>
+                                        <p:tav tm="50000">
+                                          <p:val>
+                                            <p:strVal val="#ppt_x+.1"/>
+                                          </p:val>
+                                        </p:tav>
+                                        <p:tav tm="100000">
+                                          <p:val>
+                                            <p:strVal val="#ppt_x"/>
+                                          </p:val>
+                                        </p:tav>
+                                      </p:tavLst>
+                                    </p:anim>
+                                    <p:anim calcmode="lin" valueType="num">
+                                      <p:cBhvr>
+                                        <p:cTn id="8" dur="500" fill="hold"/>
+                                        <p:tgtEl>
+                                          <p:spTgt spid="2"/>
+                                        </p:tgtEl>
+                                        <p:attrNameLst>
+                                          <p:attrName>ppt_y</p:attrName>
+                                        </p:attrNameLst>
+                                      </p:cBhvr>
+                                      <p:tavLst>
+                                        <p:tav tm="0">
+                                          <p:val>
+                                            <p:strVal val="#ppt_y"/>
+                                          </p:val>
+                                        </p:tav>
+                                        <p:tav tm="100000">
+                                          <p:val>
+                                            <p:strVal val="#ppt_y"/>
+                                          </p:val>
+                                        </p:tav>
+                                      </p:tavLst>
+                                    </p:anim>
+                                    <p:anim calcmode="lin" valueType="num">
+                                      <p:cBhvr>
+                                        <p:cTn id="9" dur="500" fill="hold"/>
+                                        <p:tgtEl>
+                                          <p:spTgt spid="2"/>
+                                        </p:tgtEl>
+                                        <p:attrNameLst>
+                                          <p:attrName>ppt_h</p:attrName>
+                                        </p:attrNameLst>
+                                      </p:cBhvr>
+                                      <p:tavLst>
+                                        <p:tav tm="0">
+                                          <p:val>
+                                            <p:strVal val="#ppt_h/10"/>
+                                          </p:val>
+                                        </p:tav>
+                                        <p:tav tm="50000">
+                                          <p:val>
+                                            <p:strVal val="#ppt_h+.01"/>
+                                          </p:val>
+                                        </p:tav>
+                                        <p:tav tm="100000">
+                                          <p:val>
+                                            <p:strVal val="#ppt_h"/>
+                                          </p:val>
+                                        </p:tav>
+                                      </p:tavLst>
+                                    </p:anim>
+                                    <p:anim calcmode="lin" valueType="num">
+                                      <p:cBhvr>
+                                        <p:cTn id="10" dur="500" fill="hold"/>
+                                        <p:tgtEl>
+                                          <p:spTgt spid="2"/>
+                                        </p:tgtEl>
+                                        <p:attrNameLst>
+                                          <p:attrName>ppt_w</p:attrName>
+                                        </p:attrNameLst>
+                                      </p:cBhvr>
+                                      <p:tavLst>
+                                        <p:tav tm="0">
+                                          <p:val>
+                                            <p:strVal val="#ppt_w/10"/>
+                                          </p:val>
+                                        </p:tav>
+                                        <p:tav tm="50000">
+                                          <p:val>
+                                            <p:strVal val="#ppt_w+.01"/>
+                                          </p:val>
+                                        </p:tav>
+                                        <p:tav tm="100000">
+                                          <p:val>
+                                            <p:strVal val="#ppt_w"/>
+                                          </p:val>
+                                        </p:tav>
+                                      </p:tavLst>
+                                    </p:anim>
+                                    <p:animEffect transition="in" filter="fade">
+                                      <p:cBhvr>
+                                        <p:cTn id="11" dur="500" tmFilter="0,0; .5, 1; 1, 1"/>
+                                        <p:tgtEl>
+                                          <p:spTgt spid="2"/>
+                                        </p:tgtEl>
+                                      </p:cBhvr>
+                                    </p:animEffect>
+                                  </p:childTnLst>
+                                </p:cTn>
+                              </p:par>
+                            </p:childTnLst>
+                          </p:cTn>
+                        </p:par>
+                      </p:childTnLst>
+                    </p:cTn>
+                  </p:par>
+                </p:childTnLst>
+              </p:cTn>
+              <p:prevCondLst>
+                <p:cond evt="onPrev" delay="0">
+                  <p:tgtEl>
+                    <p:sldTgt/>
+                  </p:tgtEl>
+                </p:cond>
+              </p:prevCondLst>
+              <p:nextCondLst>
+                <p:cond evt="onNext" delay="0">
+                  <p:tgtEl>
+                    <p:sldTgt/>
+                  </p:tgtEl>
+                </p:cond>
+              </p:nextCondLst>
+            </p:seq>
+          </p:childTnLst>
+        </p:cTn>
+      </p:par>
+    </p:tnLst>
+    <p:bldLst>
+      <p:bldP spid="2" grpId="0"/>
+    </p:bldLst>
+  </p:timing>
 </p:sld>
 </file>
 
@@ -14140,10 +14766,10 @@
           <a:lstStyle/>
           <a:p>
             <a:r>
-              <a:rPr lang="en-US" sz="2000" b="0" dirty="0"/>
+              <a:rPr lang="en-US" sz="2000" b="0"/>
               <a:t>This section will synthesize findings from academic research, industry analyses, and case studies to build a theoretical foundation for the current study.</a:t>
             </a:r>
-            <a:endParaRPr lang="en-US" sz="2800" b="0" dirty="0"/>
+            <a:endParaRPr lang="en-US" sz="2800" b="0"/>
           </a:p>
         </p:txBody>
       </p:sp>
@@ -14344,7 +14970,7 @@
               <a:buChar char="o"/>
             </a:pPr>
             <a:r>
-              <a:rPr lang="en-US" sz="2000" dirty="0"/>
+              <a:rPr lang="en-US" sz="2000"/>
               <a:t>Security and Trust</a:t>
             </a:r>
           </a:p>
@@ -14354,7 +14980,7 @@
               <a:buChar char="o"/>
             </a:pPr>
             <a:r>
-              <a:rPr lang="en-US" sz="2000" dirty="0"/>
+              <a:rPr lang="en-US" sz="2000"/>
               <a:t>Ease of use</a:t>
             </a:r>
           </a:p>
@@ -14364,7 +14990,7 @@
               <a:buChar char="o"/>
             </a:pPr>
             <a:r>
-              <a:rPr lang="en-US" sz="2000" dirty="0"/>
+              <a:rPr lang="en-US" sz="2000"/>
               <a:t>Transaction Speed</a:t>
             </a:r>
           </a:p>
@@ -14374,7 +15000,7 @@
               <a:buChar char="o"/>
             </a:pPr>
             <a:r>
-              <a:rPr lang="en-US" sz="2000" dirty="0"/>
+              <a:rPr lang="en-US" sz="2000"/>
               <a:t>Reliability and Uptime</a:t>
             </a:r>
           </a:p>
@@ -14384,7 +15010,7 @@
               <a:buChar char="o"/>
             </a:pPr>
             <a:r>
-              <a:rPr lang="en-US" sz="2000" dirty="0"/>
+              <a:rPr lang="en-US" sz="2000"/>
               <a:t>Support Service</a:t>
             </a:r>
           </a:p>
@@ -14394,7 +15020,7 @@
               <a:buChar char="o"/>
             </a:pPr>
             <a:r>
-              <a:rPr lang="en-US" sz="2000" dirty="0"/>
+              <a:rPr lang="en-US" sz="2000"/>
               <a:t>Payment Options</a:t>
             </a:r>
           </a:p>
@@ -14404,7 +15030,7 @@
               <a:buChar char="o"/>
             </a:pPr>
             <a:r>
-              <a:rPr lang="en-US" sz="2000" dirty="0"/>
+              <a:rPr lang="en-US" sz="2000"/>
               <a:t>Fees and Cost</a:t>
             </a:r>
           </a:p>
@@ -14414,7 +15040,7 @@
               <a:buChar char="o"/>
             </a:pPr>
             <a:r>
-              <a:rPr lang="en-US" sz="2000" dirty="0"/>
+              <a:rPr lang="en-US" sz="2000"/>
               <a:t>Integrity and Compatibility</a:t>
             </a:r>
           </a:p>
@@ -14648,7 +15274,7 @@
               <a:buFont typeface="Courier New" panose="02070309020205020404" pitchFamily="49" charset="0"/>
               <a:buChar char="o"/>
             </a:pPr>
-            <a:endParaRPr lang="en-US" dirty="0"/>
+            <a:endParaRPr lang="en-US"/>
           </a:p>
         </p:txBody>
       </p:sp>
@@ -14700,7 +15326,7 @@
           </a:lstStyle>
           <a:p>
             <a:r>
-              <a:rPr lang="en-US" sz="3200" dirty="0"/>
+              <a:rPr lang="en-US" sz="3200"/>
               <a:t>Literature Review</a:t>
             </a:r>
           </a:p>
@@ -14898,7 +15524,7 @@
             </a:lvl9pPr>
           </a:lstStyle>
           <a:p>
-            <a:endParaRPr lang="en-US" dirty="0"/>
+            <a:endParaRPr lang="en-US"/>
           </a:p>
         </p:txBody>
       </p:sp>
@@ -15715,15 +16341,6 @@
 </file>
 
 <file path=customXml/item1.xml><?xml version="1.0" encoding="utf-8"?>
-<?mso-contentType ?>
-<FormTemplates xmlns="http://schemas.microsoft.com/sharepoint/v3/contenttype/forms">
-  <Display>DocumentLibraryForm</Display>
-  <Edit>DocumentLibraryForm</Edit>
-  <New>DocumentLibraryForm</New>
-</FormTemplates>
-</file>
-
-<file path=customXml/item2.xml><?xml version="1.0" encoding="utf-8"?>
 <p:properties xmlns:p="http://schemas.microsoft.com/office/2006/metadata/properties" xmlns:xsi="http://www.w3.org/2001/XMLSchema-instance" xmlns:pc="http://schemas.microsoft.com/office/infopath/2007/PartnerControls">
   <documentManagement>
     <_ip_UnifiedCompliancePolicyUIAction xmlns="http://schemas.microsoft.com/sharepoint/v3" xsi:nil="true"/>
@@ -15743,7 +16360,7 @@
 </p:properties>
 </file>
 
-<file path=customXml/item3.xml><?xml version="1.0" encoding="utf-8"?>
+<file path=customXml/item2.xml><?xml version="1.0" encoding="utf-8"?>
 <ct:contentTypeSchema xmlns:ct="http://schemas.microsoft.com/office/2006/metadata/contentType" xmlns:ma="http://schemas.microsoft.com/office/2006/metadata/properties/metaAttributes" ct:_="" ma:_="" ma:contentTypeName="Document" ma:contentTypeID="0x01010079F111ED35F8CC479449609E8A0923A6" ma:contentTypeVersion="28" ma:contentTypeDescription="Create a new document." ma:contentTypeScope="" ma:versionID="60f5a4f2d2b0abadcf532d48ebf9cb71">
   <xsd:schema xmlns:xsd="http://www.w3.org/2001/XMLSchema" xmlns:xs="http://www.w3.org/2001/XMLSchema" xmlns:p="http://schemas.microsoft.com/office/2006/metadata/properties" xmlns:ns1="http://schemas.microsoft.com/sharepoint/v3" xmlns:ns2="71af3243-3dd4-4a8d-8c0d-dd76da1f02a5" xmlns:ns3="16c05727-aa75-4e4a-9b5f-8a80a1165891" xmlns:ns4="230e9df3-be65-4c73-a93b-d1236ebd677e" targetNamespace="http://schemas.microsoft.com/office/2006/metadata/properties" ma:root="true" ma:fieldsID="7dd78129e6a1811f84807ad11c651531" ns1:_="" ns2:_="" ns3:_="" ns4:_="">
     <xsd:import namespace="http://schemas.microsoft.com/sharepoint/v3"/>
@@ -16055,7 +16672,57 @@
 </ct:contentTypeSchema>
 </file>
 
+<file path=customXml/item3.xml><?xml version="1.0" encoding="utf-8"?>
+<?mso-contentType ?>
+<FormTemplates xmlns="http://schemas.microsoft.com/sharepoint/v3/contenttype/forms">
+  <Display>DocumentLibraryForm</Display>
+  <Edit>DocumentLibraryForm</Edit>
+  <New>DocumentLibraryForm</New>
+</FormTemplates>
+</file>
+
 <file path=customXml/itemProps1.xml><?xml version="1.0" encoding="utf-8"?>
+<ds:datastoreItem xmlns:ds="http://schemas.openxmlformats.org/officeDocument/2006/customXml" ds:itemID="{61E98C35-9ECE-4425-BCBA-00E118C705CE}">
+  <ds:schemaRefs>
+    <ds:schemaRef ds:uri="http://purl.org/dc/terms/"/>
+    <ds:schemaRef ds:uri="http://schemas.microsoft.com/sharepoint/v3"/>
+    <ds:schemaRef ds:uri="http://schemas.microsoft.com/office/2006/metadata/properties"/>
+    <ds:schemaRef ds:uri="http://www.w3.org/XML/1998/namespace"/>
+    <ds:schemaRef ds:uri="230e9df3-be65-4c73-a93b-d1236ebd677e"/>
+    <ds:schemaRef ds:uri="http://schemas.microsoft.com/office/infopath/2007/PartnerControls"/>
+    <ds:schemaRef ds:uri="http://schemas.openxmlformats.org/package/2006/metadata/core-properties"/>
+    <ds:schemaRef ds:uri="http://purl.org/dc/dcmitype/"/>
+    <ds:schemaRef ds:uri="http://schemas.microsoft.com/office/2006/documentManagement/types"/>
+    <ds:schemaRef ds:uri="16c05727-aa75-4e4a-9b5f-8a80a1165891"/>
+    <ds:schemaRef ds:uri="71af3243-3dd4-4a8d-8c0d-dd76da1f02a5"/>
+    <ds:schemaRef ds:uri="http://purl.org/dc/elements/1.1/"/>
+  </ds:schemaRefs>
+</ds:datastoreItem>
+</file>
+
+<file path=customXml/itemProps2.xml><?xml version="1.0" encoding="utf-8"?>
+<ds:datastoreItem xmlns:ds="http://schemas.openxmlformats.org/officeDocument/2006/customXml" ds:itemID="{5AA6A711-2C3F-4EC0-B88B-62D740851176}">
+  <ds:schemaRefs>
+    <ds:schemaRef ds:uri="16c05727-aa75-4e4a-9b5f-8a80a1165891"/>
+    <ds:schemaRef ds:uri="230e9df3-be65-4c73-a93b-d1236ebd677e"/>
+    <ds:schemaRef ds:uri="71af3243-3dd4-4a8d-8c0d-dd76da1f02a5"/>
+    <ds:schemaRef ds:uri="http://purl.org/dc/elements/1.1/"/>
+    <ds:schemaRef ds:uri="http://purl.org/dc/terms/"/>
+    <ds:schemaRef ds:uri="http://schemas.microsoft.com/internal/obd"/>
+    <ds:schemaRef ds:uri="http://schemas.microsoft.com/office/2006/documentManagement/types"/>
+    <ds:schemaRef ds:uri="http://schemas.microsoft.com/office/2006/metadata/contentType"/>
+    <ds:schemaRef ds:uri="http://schemas.microsoft.com/office/2006/metadata/properties"/>
+    <ds:schemaRef ds:uri="http://schemas.microsoft.com/office/2006/metadata/properties/metaAttributes"/>
+    <ds:schemaRef ds:uri="http://schemas.microsoft.com/office/infopath/2007/PartnerControls"/>
+    <ds:schemaRef ds:uri="http://schemas.microsoft.com/sharepoint/v3"/>
+    <ds:schemaRef ds:uri="http://schemas.openxmlformats.org/package/2006/metadata/core-properties"/>
+    <ds:schemaRef ds:uri="http://www.w3.org/2000/xmlns/"/>
+    <ds:schemaRef ds:uri="http://www.w3.org/2001/XMLSchema"/>
+  </ds:schemaRefs>
+</ds:datastoreItem>
+</file>
+
+<file path=customXml/itemProps3.xml><?xml version="1.0" encoding="utf-8"?>
 <ds:datastoreItem xmlns:ds="http://schemas.openxmlformats.org/officeDocument/2006/customXml" ds:itemID="{45A8381C-73EB-48EA-B45F-7B7C8C7DF409}">
   <ds:schemaRefs>
     <ds:schemaRef ds:uri="http://schemas.microsoft.com/sharepoint/v3/contenttype/forms"/>
@@ -16063,42 +16730,6 @@
 </ds:datastoreItem>
 </file>
 
-<file path=customXml/itemProps2.xml><?xml version="1.0" encoding="utf-8"?>
-<ds:datastoreItem xmlns:ds="http://schemas.openxmlformats.org/officeDocument/2006/customXml" ds:itemID="{61E98C35-9ECE-4425-BCBA-00E118C705CE}">
-  <ds:schemaRefs>
-    <ds:schemaRef ds:uri="http://schemas.microsoft.com/office/2006/metadata/properties"/>
-    <ds:schemaRef ds:uri="http://www.w3.org/2000/xmlns/"/>
-    <ds:schemaRef ds:uri="http://schemas.microsoft.com/sharepoint/v3"/>
-    <ds:schemaRef ds:uri="http://www.w3.org/2001/XMLSchema-instance"/>
-    <ds:schemaRef ds:uri="71af3243-3dd4-4a8d-8c0d-dd76da1f02a5"/>
-    <ds:schemaRef ds:uri="http://schemas.microsoft.com/office/infopath/2007/PartnerControls"/>
-    <ds:schemaRef ds:uri="230e9df3-be65-4c73-a93b-d1236ebd677e"/>
-  </ds:schemaRefs>
-</ds:datastoreItem>
-</file>
-
-<file path=customXml/itemProps3.xml><?xml version="1.0" encoding="utf-8"?>
-<ds:datastoreItem xmlns:ds="http://schemas.openxmlformats.org/officeDocument/2006/customXml" ds:itemID="{5AA6A711-2C3F-4EC0-B88B-62D740851176}">
-  <ds:schemaRefs>
-    <ds:schemaRef ds:uri="http://schemas.microsoft.com/office/2006/metadata/contentType"/>
-    <ds:schemaRef ds:uri="http://schemas.microsoft.com/office/2006/metadata/properties/metaAttributes"/>
-    <ds:schemaRef ds:uri="http://www.w3.org/2000/xmlns/"/>
-    <ds:schemaRef ds:uri="http://www.w3.org/2001/XMLSchema"/>
-    <ds:schemaRef ds:uri="http://schemas.microsoft.com/sharepoint/v3"/>
-    <ds:schemaRef ds:uri="71af3243-3dd4-4a8d-8c0d-dd76da1f02a5"/>
-    <ds:schemaRef ds:uri="16c05727-aa75-4e4a-9b5f-8a80a1165891"/>
-    <ds:schemaRef ds:uri="230e9df3-be65-4c73-a93b-d1236ebd677e"/>
-    <ds:schemaRef ds:uri="http://schemas.microsoft.com/office/2006/metadata/properties"/>
-    <ds:schemaRef ds:uri="http://schemas.microsoft.com/office/2006/documentManagement/types"/>
-    <ds:schemaRef ds:uri="http://schemas.microsoft.com/office/infopath/2007/PartnerControls"/>
-    <ds:schemaRef ds:uri="http://schemas.openxmlformats.org/package/2006/metadata/core-properties"/>
-    <ds:schemaRef ds:uri="http://purl.org/dc/elements/1.1/"/>
-    <ds:schemaRef ds:uri="http://purl.org/dc/terms/"/>
-    <ds:schemaRef ds:uri="http://schemas.microsoft.com/internal/obd"/>
-  </ds:schemaRefs>
-</ds:datastoreItem>
-</file>
-
 <file path=docMetadata/LabelInfo.xml><?xml version="1.0" encoding="utf-8"?>
 <clbl:labelList xmlns:clbl="http://schemas.microsoft.com/office/2020/mipLabelMetadata"/>
 </file>